--- a/classes/Physics9ab/downloads/friction.pptx
+++ b/classes/Physics9ab/downloads/friction.pptx
@@ -21,9 +21,16 @@
     <p:sldId id="266" r:id="rId15"/>
     <p:sldId id="267" r:id="rId16"/>
     <p:sldId id="268" r:id="rId17"/>
-    <p:sldId id="274" r:id="rId18"/>
-    <p:sldId id="275" r:id="rId19"/>
-    <p:sldId id="277" r:id="rId20"/>
+    <p:sldId id="279" r:id="rId18"/>
+    <p:sldId id="274" r:id="rId19"/>
+    <p:sldId id="275" r:id="rId20"/>
+    <p:sldId id="277" r:id="rId21"/>
+    <p:sldId id="280" r:id="rId22"/>
+    <p:sldId id="281" r:id="rId23"/>
+    <p:sldId id="282" r:id="rId24"/>
+    <p:sldId id="283" r:id="rId25"/>
+    <p:sldId id="284" r:id="rId26"/>
+    <p:sldId id="285" r:id="rId27"/>
   </p:sldIdLst>
   <p:sldSz cx="12192000" cy="6858000"/>
   <p:notesSz cx="6858000" cy="9144000"/>
@@ -4646,13 +4653,21 @@
               <a:lstStyle/>
               <a:p>
                 <a:r>
-                  <a:rPr lang="en-US" dirty="0" smtClean="0"/>
+                  <a:rPr lang="en-US" dirty="0" smtClean="0">
+                    <a:solidFill>
+                      <a:srgbClr val="FF0000"/>
+                    </a:solidFill>
+                  </a:rPr>
                   <a:t>A force that opposes the motion of an object.</a:t>
                 </a:r>
               </a:p>
               <a:p>
                 <a:r>
-                  <a:rPr lang="en-US" dirty="0" smtClean="0"/>
+                  <a:rPr lang="en-US" dirty="0" smtClean="0">
+                    <a:solidFill>
+                      <a:srgbClr val="FF0000"/>
+                    </a:solidFill>
+                  </a:rPr>
                   <a:t>Between two surfaces in relative motion.</a:t>
                 </a:r>
               </a:p>
@@ -4956,7 +4971,7 @@
         </p:blipFill>
         <p:spPr bwMode="auto">
           <a:xfrm>
-            <a:off x="6096000" y="1366919"/>
+            <a:off x="6019800" y="1309769"/>
             <a:ext cx="3206931" cy="2269146"/>
           </a:xfrm>
           <a:prstGeom prst="rect">
@@ -5015,6 +5030,47 @@
           </a:extLst>
         </p:spPr>
       </p:pic>
+      <p:pic>
+        <p:nvPicPr>
+          <p:cNvPr id="6158" name="Picture 14" descr="Képtalálat a következőre: „olimpia gyorskorcsolya győztes csapat”"/>
+          <p:cNvPicPr>
+            <a:picLocks noChangeAspect="1" noChangeArrowheads="1"/>
+          </p:cNvPicPr>
+          <p:nvPr/>
+        </p:nvPicPr>
+        <p:blipFill>
+          <a:blip r:embed="rId5" cstate="print">
+            <a:extLst>
+              <a:ext uri="{28A0092B-C50C-407E-A947-70E740481C1C}">
+                <a14:useLocalDpi xmlns:a14="http://schemas.microsoft.com/office/drawing/2010/main" val="0"/>
+              </a:ext>
+            </a:extLst>
+          </a:blip>
+          <a:srcRect/>
+          <a:stretch>
+            <a:fillRect/>
+          </a:stretch>
+        </p:blipFill>
+        <p:spPr bwMode="auto">
+          <a:xfrm>
+            <a:off x="8914734" y="2635332"/>
+            <a:ext cx="3277266" cy="2187575"/>
+          </a:xfrm>
+          <a:prstGeom prst="rect">
+            <a:avLst/>
+          </a:prstGeom>
+          <a:noFill/>
+          <a:extLst>
+            <a:ext uri="{909E8E84-426E-40DD-AFC4-6F175D3DCCD1}">
+              <a14:hiddenFill xmlns:a14="http://schemas.microsoft.com/office/drawing/2010/main">
+                <a:solidFill>
+                  <a:srgbClr val="FFFFFF"/>
+                </a:solidFill>
+              </a14:hiddenFill>
+            </a:ext>
+          </a:extLst>
+        </p:spPr>
+      </p:pic>
     </p:spTree>
     <p:extLst>
       <p:ext uri="{BB962C8B-B14F-4D97-AF65-F5344CB8AC3E}">
@@ -5289,11 +5345,7 @@
                                           </p:stCondLst>
                                         </p:cTn>
                                         <p:tgtEl>
-                                          <p:spTgt spid="4">
-                                            <p:txEl>
-                                              <p:pRg st="2" end="2"/>
-                                            </p:txEl>
-                                          </p:spTgt>
+                                          <p:spTgt spid="6154"/>
                                         </p:tgtEl>
                                         <p:attrNameLst>
                                           <p:attrName>style.visibility</p:attrName>
@@ -5307,11 +5359,7 @@
                                       <p:cBhvr>
                                         <p:cTn id="21" dur="1000"/>
                                         <p:tgtEl>
-                                          <p:spTgt spid="4">
-                                            <p:txEl>
-                                              <p:pRg st="2" end="2"/>
-                                            </p:txEl>
-                                          </p:spTgt>
+                                          <p:spTgt spid="6154"/>
                                         </p:tgtEl>
                                       </p:cBhvr>
                                     </p:animEffect>
@@ -5319,11 +5367,7 @@
                                       <p:cBhvr>
                                         <p:cTn id="22" dur="1000" fill="hold"/>
                                         <p:tgtEl>
-                                          <p:spTgt spid="4">
-                                            <p:txEl>
-                                              <p:pRg st="2" end="2"/>
-                                            </p:txEl>
-                                          </p:spTgt>
+                                          <p:spTgt spid="6154"/>
                                         </p:tgtEl>
                                         <p:attrNameLst>
                                           <p:attrName>ppt_x</p:attrName>
@@ -5346,11 +5390,7 @@
                                       <p:cBhvr>
                                         <p:cTn id="23" dur="1000" fill="hold"/>
                                         <p:tgtEl>
-                                          <p:spTgt spid="4">
-                                            <p:txEl>
-                                              <p:pRg st="2" end="2"/>
-                                            </p:txEl>
-                                          </p:spTgt>
+                                          <p:spTgt spid="6154"/>
                                         </p:tgtEl>
                                         <p:attrNameLst>
                                           <p:attrName>ppt_y</p:attrName>
@@ -5404,11 +5444,7 @@
                                           </p:stCondLst>
                                         </p:cTn>
                                         <p:tgtEl>
-                                          <p:spTgt spid="4">
-                                            <p:txEl>
-                                              <p:pRg st="3" end="3"/>
-                                            </p:txEl>
-                                          </p:spTgt>
+                                          <p:spTgt spid="6158"/>
                                         </p:tgtEl>
                                         <p:attrNameLst>
                                           <p:attrName>style.visibility</p:attrName>
@@ -5422,11 +5458,7 @@
                                       <p:cBhvr>
                                         <p:cTn id="28" dur="1000"/>
                                         <p:tgtEl>
-                                          <p:spTgt spid="4">
-                                            <p:txEl>
-                                              <p:pRg st="3" end="3"/>
-                                            </p:txEl>
-                                          </p:spTgt>
+                                          <p:spTgt spid="6158"/>
                                         </p:tgtEl>
                                       </p:cBhvr>
                                     </p:animEffect>
@@ -5434,11 +5466,7 @@
                                       <p:cBhvr>
                                         <p:cTn id="29" dur="1000" fill="hold"/>
                                         <p:tgtEl>
-                                          <p:spTgt spid="4">
-                                            <p:txEl>
-                                              <p:pRg st="3" end="3"/>
-                                            </p:txEl>
-                                          </p:spTgt>
+                                          <p:spTgt spid="6158"/>
                                         </p:tgtEl>
                                         <p:attrNameLst>
                                           <p:attrName>ppt_x</p:attrName>
@@ -5461,11 +5489,7 @@
                                       <p:cBhvr>
                                         <p:cTn id="30" dur="1000" fill="hold"/>
                                         <p:tgtEl>
-                                          <p:spTgt spid="4">
-                                            <p:txEl>
-                                              <p:pRg st="3" end="3"/>
-                                            </p:txEl>
-                                          </p:spTgt>
+                                          <p:spTgt spid="6158"/>
                                         </p:tgtEl>
                                         <p:attrNameLst>
                                           <p:attrName>ppt_y</p:attrName>
@@ -5519,11 +5543,7 @@
                                           </p:stCondLst>
                                         </p:cTn>
                                         <p:tgtEl>
-                                          <p:spTgt spid="4">
-                                            <p:txEl>
-                                              <p:pRg st="4" end="4"/>
-                                            </p:txEl>
-                                          </p:spTgt>
+                                          <p:spTgt spid="6156"/>
                                         </p:tgtEl>
                                         <p:attrNameLst>
                                           <p:attrName>style.visibility</p:attrName>
@@ -5537,11 +5557,7 @@
                                       <p:cBhvr>
                                         <p:cTn id="35" dur="1000"/>
                                         <p:tgtEl>
-                                          <p:spTgt spid="4">
-                                            <p:txEl>
-                                              <p:pRg st="4" end="4"/>
-                                            </p:txEl>
-                                          </p:spTgt>
+                                          <p:spTgt spid="6156"/>
                                         </p:tgtEl>
                                       </p:cBhvr>
                                     </p:animEffect>
@@ -5549,11 +5565,7 @@
                                       <p:cBhvr>
                                         <p:cTn id="36" dur="1000" fill="hold"/>
                                         <p:tgtEl>
-                                          <p:spTgt spid="4">
-                                            <p:txEl>
-                                              <p:pRg st="4" end="4"/>
-                                            </p:txEl>
-                                          </p:spTgt>
+                                          <p:spTgt spid="6156"/>
                                         </p:tgtEl>
                                         <p:attrNameLst>
                                           <p:attrName>ppt_x</p:attrName>
@@ -5576,11 +5588,7 @@
                                       <p:cBhvr>
                                         <p:cTn id="37" dur="1000" fill="hold"/>
                                         <p:tgtEl>
-                                          <p:spTgt spid="4">
-                                            <p:txEl>
-                                              <p:pRg st="4" end="4"/>
-                                            </p:txEl>
-                                          </p:spTgt>
+                                          <p:spTgt spid="6156"/>
                                         </p:tgtEl>
                                         <p:attrNameLst>
                                           <p:attrName>ppt_y</p:attrName>
@@ -5636,7 +5644,7 @@
                                         <p:tgtEl>
                                           <p:spTgt spid="4">
                                             <p:txEl>
-                                              <p:pRg st="5" end="5"/>
+                                              <p:pRg st="2" end="2"/>
                                             </p:txEl>
                                           </p:spTgt>
                                         </p:tgtEl>
@@ -5654,7 +5662,7 @@
                                         <p:tgtEl>
                                           <p:spTgt spid="4">
                                             <p:txEl>
-                                              <p:pRg st="5" end="5"/>
+                                              <p:pRg st="2" end="2"/>
                                             </p:txEl>
                                           </p:spTgt>
                                         </p:tgtEl>
@@ -5666,7 +5674,7 @@
                                         <p:tgtEl>
                                           <p:spTgt spid="4">
                                             <p:txEl>
-                                              <p:pRg st="5" end="5"/>
+                                              <p:pRg st="2" end="2"/>
                                             </p:txEl>
                                           </p:spTgt>
                                         </p:tgtEl>
@@ -5690,6 +5698,351 @@
                                     <p:anim calcmode="lin" valueType="num">
                                       <p:cBhvr>
                                         <p:cTn id="44" dur="1000" fill="hold"/>
+                                        <p:tgtEl>
+                                          <p:spTgt spid="4">
+                                            <p:txEl>
+                                              <p:pRg st="2" end="2"/>
+                                            </p:txEl>
+                                          </p:spTgt>
+                                        </p:tgtEl>
+                                        <p:attrNameLst>
+                                          <p:attrName>ppt_y</p:attrName>
+                                        </p:attrNameLst>
+                                      </p:cBhvr>
+                                      <p:tavLst>
+                                        <p:tav tm="0">
+                                          <p:val>
+                                            <p:strVal val="#ppt_y+.1"/>
+                                          </p:val>
+                                        </p:tav>
+                                        <p:tav tm="100000">
+                                          <p:val>
+                                            <p:strVal val="#ppt_y"/>
+                                          </p:val>
+                                        </p:tav>
+                                      </p:tavLst>
+                                    </p:anim>
+                                  </p:childTnLst>
+                                </p:cTn>
+                              </p:par>
+                            </p:childTnLst>
+                          </p:cTn>
+                        </p:par>
+                      </p:childTnLst>
+                    </p:cTn>
+                  </p:par>
+                  <p:par>
+                    <p:cTn id="45" fill="hold">
+                      <p:stCondLst>
+                        <p:cond delay="indefinite"/>
+                      </p:stCondLst>
+                      <p:childTnLst>
+                        <p:par>
+                          <p:cTn id="46" fill="hold">
+                            <p:stCondLst>
+                              <p:cond delay="0"/>
+                            </p:stCondLst>
+                            <p:childTnLst>
+                              <p:par>
+                                <p:cTn id="47" presetID="42" presetClass="entr" presetSubtype="0" fill="hold" nodeType="clickEffect">
+                                  <p:stCondLst>
+                                    <p:cond delay="0"/>
+                                  </p:stCondLst>
+                                  <p:childTnLst>
+                                    <p:set>
+                                      <p:cBhvr>
+                                        <p:cTn id="48" dur="1" fill="hold">
+                                          <p:stCondLst>
+                                            <p:cond delay="0"/>
+                                          </p:stCondLst>
+                                        </p:cTn>
+                                        <p:tgtEl>
+                                          <p:spTgt spid="4">
+                                            <p:txEl>
+                                              <p:pRg st="3" end="3"/>
+                                            </p:txEl>
+                                          </p:spTgt>
+                                        </p:tgtEl>
+                                        <p:attrNameLst>
+                                          <p:attrName>style.visibility</p:attrName>
+                                        </p:attrNameLst>
+                                      </p:cBhvr>
+                                      <p:to>
+                                        <p:strVal val="visible"/>
+                                      </p:to>
+                                    </p:set>
+                                    <p:animEffect transition="in" filter="fade">
+                                      <p:cBhvr>
+                                        <p:cTn id="49" dur="1000"/>
+                                        <p:tgtEl>
+                                          <p:spTgt spid="4">
+                                            <p:txEl>
+                                              <p:pRg st="3" end="3"/>
+                                            </p:txEl>
+                                          </p:spTgt>
+                                        </p:tgtEl>
+                                      </p:cBhvr>
+                                    </p:animEffect>
+                                    <p:anim calcmode="lin" valueType="num">
+                                      <p:cBhvr>
+                                        <p:cTn id="50" dur="1000" fill="hold"/>
+                                        <p:tgtEl>
+                                          <p:spTgt spid="4">
+                                            <p:txEl>
+                                              <p:pRg st="3" end="3"/>
+                                            </p:txEl>
+                                          </p:spTgt>
+                                        </p:tgtEl>
+                                        <p:attrNameLst>
+                                          <p:attrName>ppt_x</p:attrName>
+                                        </p:attrNameLst>
+                                      </p:cBhvr>
+                                      <p:tavLst>
+                                        <p:tav tm="0">
+                                          <p:val>
+                                            <p:strVal val="#ppt_x"/>
+                                          </p:val>
+                                        </p:tav>
+                                        <p:tav tm="100000">
+                                          <p:val>
+                                            <p:strVal val="#ppt_x"/>
+                                          </p:val>
+                                        </p:tav>
+                                      </p:tavLst>
+                                    </p:anim>
+                                    <p:anim calcmode="lin" valueType="num">
+                                      <p:cBhvr>
+                                        <p:cTn id="51" dur="1000" fill="hold"/>
+                                        <p:tgtEl>
+                                          <p:spTgt spid="4">
+                                            <p:txEl>
+                                              <p:pRg st="3" end="3"/>
+                                            </p:txEl>
+                                          </p:spTgt>
+                                        </p:tgtEl>
+                                        <p:attrNameLst>
+                                          <p:attrName>ppt_y</p:attrName>
+                                        </p:attrNameLst>
+                                      </p:cBhvr>
+                                      <p:tavLst>
+                                        <p:tav tm="0">
+                                          <p:val>
+                                            <p:strVal val="#ppt_y+.1"/>
+                                          </p:val>
+                                        </p:tav>
+                                        <p:tav tm="100000">
+                                          <p:val>
+                                            <p:strVal val="#ppt_y"/>
+                                          </p:val>
+                                        </p:tav>
+                                      </p:tavLst>
+                                    </p:anim>
+                                  </p:childTnLst>
+                                </p:cTn>
+                              </p:par>
+                            </p:childTnLst>
+                          </p:cTn>
+                        </p:par>
+                      </p:childTnLst>
+                    </p:cTn>
+                  </p:par>
+                  <p:par>
+                    <p:cTn id="52" fill="hold">
+                      <p:stCondLst>
+                        <p:cond delay="indefinite"/>
+                      </p:stCondLst>
+                      <p:childTnLst>
+                        <p:par>
+                          <p:cTn id="53" fill="hold">
+                            <p:stCondLst>
+                              <p:cond delay="0"/>
+                            </p:stCondLst>
+                            <p:childTnLst>
+                              <p:par>
+                                <p:cTn id="54" presetID="42" presetClass="entr" presetSubtype="0" fill="hold" nodeType="clickEffect">
+                                  <p:stCondLst>
+                                    <p:cond delay="0"/>
+                                  </p:stCondLst>
+                                  <p:childTnLst>
+                                    <p:set>
+                                      <p:cBhvr>
+                                        <p:cTn id="55" dur="1" fill="hold">
+                                          <p:stCondLst>
+                                            <p:cond delay="0"/>
+                                          </p:stCondLst>
+                                        </p:cTn>
+                                        <p:tgtEl>
+                                          <p:spTgt spid="4">
+                                            <p:txEl>
+                                              <p:pRg st="4" end="4"/>
+                                            </p:txEl>
+                                          </p:spTgt>
+                                        </p:tgtEl>
+                                        <p:attrNameLst>
+                                          <p:attrName>style.visibility</p:attrName>
+                                        </p:attrNameLst>
+                                      </p:cBhvr>
+                                      <p:to>
+                                        <p:strVal val="visible"/>
+                                      </p:to>
+                                    </p:set>
+                                    <p:animEffect transition="in" filter="fade">
+                                      <p:cBhvr>
+                                        <p:cTn id="56" dur="1000"/>
+                                        <p:tgtEl>
+                                          <p:spTgt spid="4">
+                                            <p:txEl>
+                                              <p:pRg st="4" end="4"/>
+                                            </p:txEl>
+                                          </p:spTgt>
+                                        </p:tgtEl>
+                                      </p:cBhvr>
+                                    </p:animEffect>
+                                    <p:anim calcmode="lin" valueType="num">
+                                      <p:cBhvr>
+                                        <p:cTn id="57" dur="1000" fill="hold"/>
+                                        <p:tgtEl>
+                                          <p:spTgt spid="4">
+                                            <p:txEl>
+                                              <p:pRg st="4" end="4"/>
+                                            </p:txEl>
+                                          </p:spTgt>
+                                        </p:tgtEl>
+                                        <p:attrNameLst>
+                                          <p:attrName>ppt_x</p:attrName>
+                                        </p:attrNameLst>
+                                      </p:cBhvr>
+                                      <p:tavLst>
+                                        <p:tav tm="0">
+                                          <p:val>
+                                            <p:strVal val="#ppt_x"/>
+                                          </p:val>
+                                        </p:tav>
+                                        <p:tav tm="100000">
+                                          <p:val>
+                                            <p:strVal val="#ppt_x"/>
+                                          </p:val>
+                                        </p:tav>
+                                      </p:tavLst>
+                                    </p:anim>
+                                    <p:anim calcmode="lin" valueType="num">
+                                      <p:cBhvr>
+                                        <p:cTn id="58" dur="1000" fill="hold"/>
+                                        <p:tgtEl>
+                                          <p:spTgt spid="4">
+                                            <p:txEl>
+                                              <p:pRg st="4" end="4"/>
+                                            </p:txEl>
+                                          </p:spTgt>
+                                        </p:tgtEl>
+                                        <p:attrNameLst>
+                                          <p:attrName>ppt_y</p:attrName>
+                                        </p:attrNameLst>
+                                      </p:cBhvr>
+                                      <p:tavLst>
+                                        <p:tav tm="0">
+                                          <p:val>
+                                            <p:strVal val="#ppt_y+.1"/>
+                                          </p:val>
+                                        </p:tav>
+                                        <p:tav tm="100000">
+                                          <p:val>
+                                            <p:strVal val="#ppt_y"/>
+                                          </p:val>
+                                        </p:tav>
+                                      </p:tavLst>
+                                    </p:anim>
+                                  </p:childTnLst>
+                                </p:cTn>
+                              </p:par>
+                            </p:childTnLst>
+                          </p:cTn>
+                        </p:par>
+                      </p:childTnLst>
+                    </p:cTn>
+                  </p:par>
+                  <p:par>
+                    <p:cTn id="59" fill="hold">
+                      <p:stCondLst>
+                        <p:cond delay="indefinite"/>
+                      </p:stCondLst>
+                      <p:childTnLst>
+                        <p:par>
+                          <p:cTn id="60" fill="hold">
+                            <p:stCondLst>
+                              <p:cond delay="0"/>
+                            </p:stCondLst>
+                            <p:childTnLst>
+                              <p:par>
+                                <p:cTn id="61" presetID="42" presetClass="entr" presetSubtype="0" fill="hold" nodeType="clickEffect">
+                                  <p:stCondLst>
+                                    <p:cond delay="0"/>
+                                  </p:stCondLst>
+                                  <p:childTnLst>
+                                    <p:set>
+                                      <p:cBhvr>
+                                        <p:cTn id="62" dur="1" fill="hold">
+                                          <p:stCondLst>
+                                            <p:cond delay="0"/>
+                                          </p:stCondLst>
+                                        </p:cTn>
+                                        <p:tgtEl>
+                                          <p:spTgt spid="4">
+                                            <p:txEl>
+                                              <p:pRg st="5" end="5"/>
+                                            </p:txEl>
+                                          </p:spTgt>
+                                        </p:tgtEl>
+                                        <p:attrNameLst>
+                                          <p:attrName>style.visibility</p:attrName>
+                                        </p:attrNameLst>
+                                      </p:cBhvr>
+                                      <p:to>
+                                        <p:strVal val="visible"/>
+                                      </p:to>
+                                    </p:set>
+                                    <p:animEffect transition="in" filter="fade">
+                                      <p:cBhvr>
+                                        <p:cTn id="63" dur="1000"/>
+                                        <p:tgtEl>
+                                          <p:spTgt spid="4">
+                                            <p:txEl>
+                                              <p:pRg st="5" end="5"/>
+                                            </p:txEl>
+                                          </p:spTgt>
+                                        </p:tgtEl>
+                                      </p:cBhvr>
+                                    </p:animEffect>
+                                    <p:anim calcmode="lin" valueType="num">
+                                      <p:cBhvr>
+                                        <p:cTn id="64" dur="1000" fill="hold"/>
+                                        <p:tgtEl>
+                                          <p:spTgt spid="4">
+                                            <p:txEl>
+                                              <p:pRg st="5" end="5"/>
+                                            </p:txEl>
+                                          </p:spTgt>
+                                        </p:tgtEl>
+                                        <p:attrNameLst>
+                                          <p:attrName>ppt_x</p:attrName>
+                                        </p:attrNameLst>
+                                      </p:cBhvr>
+                                      <p:tavLst>
+                                        <p:tav tm="0">
+                                          <p:val>
+                                            <p:strVal val="#ppt_x"/>
+                                          </p:val>
+                                        </p:tav>
+                                        <p:tav tm="100000">
+                                          <p:val>
+                                            <p:strVal val="#ppt_x"/>
+                                          </p:val>
+                                        </p:tav>
+                                      </p:tavLst>
+                                    </p:anim>
+                                    <p:anim calcmode="lin" valueType="num">
+                                      <p:cBhvr>
+                                        <p:cTn id="65" dur="1000" fill="hold"/>
                                         <p:tgtEl>
                                           <p:spTgt spid="4">
                                             <p:txEl>
@@ -6178,6 +6531,1021 @@
           <a:chExt cx="0" cy="0"/>
         </a:xfrm>
       </p:grpSpPr>
+      <mc:AlternateContent xmlns:mc="http://schemas.openxmlformats.org/markup-compatibility/2006">
+        <mc:Choice xmlns:a14="http://schemas.microsoft.com/office/drawing/2010/main" Requires="a14">
+          <p:sp>
+            <p:nvSpPr>
+              <p:cNvPr id="2" name="Title 1"/>
+              <p:cNvSpPr>
+                <a:spLocks noGrp="1"/>
+              </p:cNvSpPr>
+              <p:nvPr>
+                <p:ph type="title"/>
+              </p:nvPr>
+            </p:nvSpPr>
+            <p:spPr/>
+            <p:txBody>
+              <a:bodyPr/>
+              <a:lstStyle/>
+              <a:p>
+                <a14:m>
+                  <m:oMathPara xmlns:m="http://schemas.openxmlformats.org/officeDocument/2006/math">
+                    <m:oMathParaPr>
+                      <m:jc m:val="centerGroup"/>
+                    </m:oMathParaPr>
+                    <m:oMath xmlns:m="http://schemas.openxmlformats.org/officeDocument/2006/math">
+                      <m:sSub>
+                        <m:sSubPr>
+                          <m:ctrlPr>
+                            <a:rPr lang="en-US" i="1" smtClean="0">
+                              <a:latin typeface="Cambria Math" panose="02040503050406030204" pitchFamily="18" charset="0"/>
+                            </a:rPr>
+                          </m:ctrlPr>
+                        </m:sSubPr>
+                        <m:e>
+                          <m:r>
+                            <a:rPr lang="en-US" i="1" smtClean="0">
+                              <a:latin typeface="Cambria Math" panose="02040503050406030204" pitchFamily="18" charset="0"/>
+                              <a:ea typeface="Cambria Math" panose="02040503050406030204" pitchFamily="18" charset="0"/>
+                            </a:rPr>
+                            <m:t>𝜇</m:t>
+                          </m:r>
+                        </m:e>
+                        <m:sub>
+                          <m:r>
+                            <a:rPr lang="en-US" b="0" i="1" smtClean="0">
+                              <a:latin typeface="Cambria Math" panose="02040503050406030204" pitchFamily="18" charset="0"/>
+                            </a:rPr>
+                            <m:t>𝑠</m:t>
+                          </m:r>
+                        </m:sub>
+                      </m:sSub>
+                      <m:r>
+                        <a:rPr lang="en-US" b="0" i="1" smtClean="0">
+                          <a:latin typeface="Cambria Math" panose="02040503050406030204" pitchFamily="18" charset="0"/>
+                        </a:rPr>
+                        <m:t>−</m:t>
+                      </m:r>
+                      <m:sSub>
+                        <m:sSubPr>
+                          <m:ctrlPr>
+                            <a:rPr lang="en-US" b="0" i="1" smtClean="0">
+                              <a:latin typeface="Cambria Math" panose="02040503050406030204" pitchFamily="18" charset="0"/>
+                            </a:rPr>
+                          </m:ctrlPr>
+                        </m:sSubPr>
+                        <m:e>
+                          <m:r>
+                            <a:rPr lang="en-US" b="0" i="1" smtClean="0">
+                              <a:latin typeface="Cambria Math" panose="02040503050406030204" pitchFamily="18" charset="0"/>
+                              <a:ea typeface="Cambria Math" panose="02040503050406030204" pitchFamily="18" charset="0"/>
+                            </a:rPr>
+                            <m:t>𝜇</m:t>
+                          </m:r>
+                        </m:e>
+                        <m:sub>
+                          <m:r>
+                            <a:rPr lang="en-US" b="0" i="1" smtClean="0">
+                              <a:latin typeface="Cambria Math" panose="02040503050406030204" pitchFamily="18" charset="0"/>
+                            </a:rPr>
+                            <m:t>𝑘</m:t>
+                          </m:r>
+                        </m:sub>
+                      </m:sSub>
+                    </m:oMath>
+                  </m:oMathPara>
+                </a14:m>
+                <a:endParaRPr lang="en-US" dirty="0"/>
+              </a:p>
+            </p:txBody>
+          </p:sp>
+        </mc:Choice>
+        <mc:Fallback>
+          <p:sp>
+            <p:nvSpPr>
+              <p:cNvPr id="2" name="Title 1"/>
+              <p:cNvSpPr>
+                <a:spLocks noGrp="1" noRot="1" noChangeAspect="1" noMove="1" noResize="1" noEditPoints="1" noAdjustHandles="1" noChangeArrowheads="1" noChangeShapeType="1" noTextEdit="1"/>
+              </p:cNvSpPr>
+              <p:nvPr>
+                <p:ph type="title"/>
+              </p:nvPr>
+            </p:nvSpPr>
+            <p:spPr>
+              <a:blipFill>
+                <a:blip r:embed="rId2"/>
+                <a:stretch>
+                  <a:fillRect/>
+                </a:stretch>
+              </a:blipFill>
+            </p:spPr>
+            <p:txBody>
+              <a:bodyPr/>
+              <a:lstStyle/>
+              <a:p>
+                <a:r>
+                  <a:rPr lang="en-US">
+                    <a:noFill/>
+                  </a:rPr>
+                  <a:t> </a:t>
+                </a:r>
+              </a:p>
+            </p:txBody>
+          </p:sp>
+        </mc:Fallback>
+      </mc:AlternateContent>
+      <mc:AlternateContent xmlns:mc="http://schemas.openxmlformats.org/markup-compatibility/2006">
+        <mc:Choice xmlns:a14="http://schemas.microsoft.com/office/drawing/2010/main" Requires="a14">
+          <p:sp>
+            <p:nvSpPr>
+              <p:cNvPr id="3" name="Content Placeholder 2"/>
+              <p:cNvSpPr>
+                <a:spLocks noGrp="1"/>
+              </p:cNvSpPr>
+              <p:nvPr>
+                <p:ph sz="half" idx="1"/>
+              </p:nvPr>
+            </p:nvSpPr>
+            <p:spPr/>
+            <p:txBody>
+              <a:bodyPr/>
+              <a:lstStyle/>
+              <a:p>
+                <a:r>
+                  <a:rPr lang="en-US" dirty="0" smtClean="0"/>
+                  <a:t>If you want to push a heavy object	</a:t>
+                </a:r>
+              </a:p>
+              <a:p>
+                <a:pPr lvl="1"/>
+                <a:r>
+                  <a:rPr lang="en-US" dirty="0" smtClean="0"/>
+                  <a:t>You need more force to start the motion</a:t>
+                </a:r>
+              </a:p>
+              <a:p>
+                <a:pPr lvl="1"/>
+                <a:r>
+                  <a:rPr lang="en-US" dirty="0" smtClean="0"/>
+                  <a:t>You need less force to maintain the motion</a:t>
+                </a:r>
+              </a:p>
+              <a:p>
+                <a14:m>
+                  <m:oMath xmlns:m="http://schemas.openxmlformats.org/officeDocument/2006/math">
+                    <m:sSub>
+                      <m:sSubPr>
+                        <m:ctrlPr>
+                          <a:rPr lang="en-US" i="1">
+                            <a:latin typeface="Cambria Math" panose="02040503050406030204" pitchFamily="18" charset="0"/>
+                          </a:rPr>
+                        </m:ctrlPr>
+                      </m:sSubPr>
+                      <m:e>
+                        <m:r>
+                          <a:rPr lang="en-US" b="0" i="1" smtClean="0">
+                            <a:latin typeface="Cambria Math" panose="02040503050406030204" pitchFamily="18" charset="0"/>
+                          </a:rPr>
+                          <m:t>𝐹</m:t>
+                        </m:r>
+                      </m:e>
+                      <m:sub>
+                        <m:r>
+                          <a:rPr lang="en-US" i="1">
+                            <a:latin typeface="Cambria Math" panose="02040503050406030204" pitchFamily="18" charset="0"/>
+                          </a:rPr>
+                          <m:t>𝑠</m:t>
+                        </m:r>
+                        <m:r>
+                          <a:rPr lang="en-US" b="0" i="1" smtClean="0">
+                            <a:latin typeface="Cambria Math" panose="02040503050406030204" pitchFamily="18" charset="0"/>
+                          </a:rPr>
+                          <m:t>𝑚𝑎𝑥</m:t>
+                        </m:r>
+                      </m:sub>
+                    </m:sSub>
+                    <m:r>
+                      <a:rPr lang="en-US" i="1" smtClean="0">
+                        <a:latin typeface="Cambria Math" panose="02040503050406030204" pitchFamily="18" charset="0"/>
+                        <a:ea typeface="Cambria Math" panose="02040503050406030204" pitchFamily="18" charset="0"/>
+                      </a:rPr>
+                      <m:t>&gt;</m:t>
+                    </m:r>
+                    <m:sSub>
+                      <m:sSubPr>
+                        <m:ctrlPr>
+                          <a:rPr lang="en-US" i="1" smtClean="0">
+                            <a:latin typeface="Cambria Math" panose="02040503050406030204" pitchFamily="18" charset="0"/>
+                          </a:rPr>
+                        </m:ctrlPr>
+                      </m:sSubPr>
+                      <m:e>
+                        <m:r>
+                          <a:rPr lang="en-US" b="0" i="1" smtClean="0">
+                            <a:latin typeface="Cambria Math" panose="02040503050406030204" pitchFamily="18" charset="0"/>
+                          </a:rPr>
+                          <m:t>𝐹</m:t>
+                        </m:r>
+                      </m:e>
+                      <m:sub>
+                        <m:r>
+                          <a:rPr lang="en-US" i="1">
+                            <a:latin typeface="Cambria Math" panose="02040503050406030204" pitchFamily="18" charset="0"/>
+                          </a:rPr>
+                          <m:t>𝑘</m:t>
+                        </m:r>
+                      </m:sub>
+                    </m:sSub>
+                  </m:oMath>
+                </a14:m>
+                <a:endParaRPr lang="en-US" i="1" dirty="0" smtClean="0">
+                  <a:latin typeface="Cambria Math" panose="02040503050406030204" pitchFamily="18" charset="0"/>
+                </a:endParaRPr>
+              </a:p>
+              <a:p>
+                <a14:m>
+                  <m:oMath xmlns:m="http://schemas.openxmlformats.org/officeDocument/2006/math">
+                    <m:sSub>
+                      <m:sSubPr>
+                        <m:ctrlPr>
+                          <a:rPr lang="en-US" i="1">
+                            <a:latin typeface="Cambria Math" panose="02040503050406030204" pitchFamily="18" charset="0"/>
+                          </a:rPr>
+                        </m:ctrlPr>
+                      </m:sSubPr>
+                      <m:e>
+                        <m:r>
+                          <a:rPr lang="en-US" i="1">
+                            <a:latin typeface="Cambria Math" panose="02040503050406030204" pitchFamily="18" charset="0"/>
+                            <a:ea typeface="Cambria Math" panose="02040503050406030204" pitchFamily="18" charset="0"/>
+                          </a:rPr>
+                          <m:t>𝜇</m:t>
+                        </m:r>
+                      </m:e>
+                      <m:sub>
+                        <m:r>
+                          <a:rPr lang="en-US" i="1">
+                            <a:latin typeface="Cambria Math" panose="02040503050406030204" pitchFamily="18" charset="0"/>
+                          </a:rPr>
+                          <m:t>𝑠</m:t>
+                        </m:r>
+                      </m:sub>
+                    </m:sSub>
+                    <m:r>
+                      <a:rPr lang="en-US" i="1" smtClean="0">
+                        <a:latin typeface="Cambria Math" panose="02040503050406030204" pitchFamily="18" charset="0"/>
+                        <a:ea typeface="Cambria Math" panose="02040503050406030204" pitchFamily="18" charset="0"/>
+                      </a:rPr>
+                      <m:t>&gt;</m:t>
+                    </m:r>
+                    <m:sSub>
+                      <m:sSubPr>
+                        <m:ctrlPr>
+                          <a:rPr lang="en-US" i="1">
+                            <a:latin typeface="Cambria Math" panose="02040503050406030204" pitchFamily="18" charset="0"/>
+                          </a:rPr>
+                        </m:ctrlPr>
+                      </m:sSubPr>
+                      <m:e>
+                        <m:r>
+                          <a:rPr lang="en-US" i="1">
+                            <a:latin typeface="Cambria Math" panose="02040503050406030204" pitchFamily="18" charset="0"/>
+                            <a:ea typeface="Cambria Math" panose="02040503050406030204" pitchFamily="18" charset="0"/>
+                          </a:rPr>
+                          <m:t>𝜇</m:t>
+                        </m:r>
+                      </m:e>
+                      <m:sub>
+                        <m:r>
+                          <a:rPr lang="en-US" i="1">
+                            <a:latin typeface="Cambria Math" panose="02040503050406030204" pitchFamily="18" charset="0"/>
+                          </a:rPr>
+                          <m:t>𝑘</m:t>
+                        </m:r>
+                      </m:sub>
+                    </m:sSub>
+                  </m:oMath>
+                </a14:m>
+                <a:endParaRPr lang="en-US" dirty="0"/>
+              </a:p>
+              <a:p>
+                <a:endParaRPr lang="en-US" dirty="0" smtClean="0"/>
+              </a:p>
+            </p:txBody>
+          </p:sp>
+        </mc:Choice>
+        <mc:Fallback>
+          <p:sp>
+            <p:nvSpPr>
+              <p:cNvPr id="3" name="Content Placeholder 2"/>
+              <p:cNvSpPr>
+                <a:spLocks noGrp="1" noRot="1" noChangeAspect="1" noMove="1" noResize="1" noEditPoints="1" noAdjustHandles="1" noChangeArrowheads="1" noChangeShapeType="1" noTextEdit="1"/>
+              </p:cNvSpPr>
+              <p:nvPr>
+                <p:ph sz="half" idx="1"/>
+              </p:nvPr>
+            </p:nvSpPr>
+            <p:spPr>
+              <a:blipFill>
+                <a:blip r:embed="rId3"/>
+                <a:stretch>
+                  <a:fillRect l="-2118" t="-2241"/>
+                </a:stretch>
+              </a:blipFill>
+            </p:spPr>
+            <p:txBody>
+              <a:bodyPr/>
+              <a:lstStyle/>
+              <a:p>
+                <a:r>
+                  <a:rPr lang="en-US">
+                    <a:noFill/>
+                  </a:rPr>
+                  <a:t> </a:t>
+                </a:r>
+              </a:p>
+            </p:txBody>
+          </p:sp>
+        </mc:Fallback>
+      </mc:AlternateContent>
+      <p:pic>
+        <p:nvPicPr>
+          <p:cNvPr id="6" name="Picture 2" descr="Képtalálat a következőre: „static friction force”"/>
+          <p:cNvPicPr>
+            <a:picLocks noGrp="1" noChangeAspect="1" noChangeArrowheads="1"/>
+          </p:cNvPicPr>
+          <p:nvPr>
+            <p:ph sz="half" idx="2"/>
+          </p:nvPr>
+        </p:nvPicPr>
+        <p:blipFill>
+          <a:blip r:embed="rId4">
+            <a:extLst>
+              <a:ext uri="{28A0092B-C50C-407E-A947-70E740481C1C}">
+                <a14:useLocalDpi xmlns:a14="http://schemas.microsoft.com/office/drawing/2010/main" val="0"/>
+              </a:ext>
+            </a:extLst>
+          </a:blip>
+          <a:srcRect/>
+          <a:stretch>
+            <a:fillRect/>
+          </a:stretch>
+        </p:blipFill>
+        <p:spPr bwMode="auto">
+          <a:xfrm>
+            <a:off x="6553200" y="1921668"/>
+            <a:ext cx="5185944" cy="4131469"/>
+          </a:xfrm>
+          <a:prstGeom prst="rect">
+            <a:avLst/>
+          </a:prstGeom>
+          <a:noFill/>
+          <a:extLst>
+            <a:ext uri="{909E8E84-426E-40DD-AFC4-6F175D3DCCD1}">
+              <a14:hiddenFill xmlns:a14="http://schemas.microsoft.com/office/drawing/2010/main">
+                <a:solidFill>
+                  <a:srgbClr val="FFFFFF"/>
+                </a:solidFill>
+              </a14:hiddenFill>
+            </a:ext>
+          </a:extLst>
+        </p:spPr>
+      </p:pic>
+    </p:spTree>
+    <p:extLst>
+      <p:ext uri="{BB962C8B-B14F-4D97-AF65-F5344CB8AC3E}">
+        <p14:creationId xmlns:p14="http://schemas.microsoft.com/office/powerpoint/2010/main" val="3488570101"/>
+      </p:ext>
+    </p:extLst>
+  </p:cSld>
+  <p:clrMapOvr>
+    <a:masterClrMapping/>
+  </p:clrMapOvr>
+  <p:timing>
+    <p:tnLst>
+      <p:par>
+        <p:cTn id="1" dur="indefinite" restart="never" nodeType="tmRoot">
+          <p:childTnLst>
+            <p:seq concurrent="1" nextAc="seek">
+              <p:cTn id="2" dur="indefinite" nodeType="mainSeq">
+                <p:childTnLst>
+                  <p:par>
+                    <p:cTn id="3" fill="hold">
+                      <p:stCondLst>
+                        <p:cond delay="indefinite"/>
+                      </p:stCondLst>
+                      <p:childTnLst>
+                        <p:par>
+                          <p:cTn id="4" fill="hold">
+                            <p:stCondLst>
+                              <p:cond delay="0"/>
+                            </p:stCondLst>
+                            <p:childTnLst>
+                              <p:par>
+                                <p:cTn id="5" presetID="42" presetClass="entr" presetSubtype="0" fill="hold" nodeType="clickEffect">
+                                  <p:stCondLst>
+                                    <p:cond delay="0"/>
+                                  </p:stCondLst>
+                                  <p:childTnLst>
+                                    <p:set>
+                                      <p:cBhvr>
+                                        <p:cTn id="6" dur="1" fill="hold">
+                                          <p:stCondLst>
+                                            <p:cond delay="0"/>
+                                          </p:stCondLst>
+                                        </p:cTn>
+                                        <p:tgtEl>
+                                          <p:spTgt spid="3">
+                                            <p:txEl>
+                                              <p:pRg st="0" end="0"/>
+                                            </p:txEl>
+                                          </p:spTgt>
+                                        </p:tgtEl>
+                                        <p:attrNameLst>
+                                          <p:attrName>style.visibility</p:attrName>
+                                        </p:attrNameLst>
+                                      </p:cBhvr>
+                                      <p:to>
+                                        <p:strVal val="visible"/>
+                                      </p:to>
+                                    </p:set>
+                                    <p:animEffect transition="in" filter="fade">
+                                      <p:cBhvr>
+                                        <p:cTn id="7" dur="1000"/>
+                                        <p:tgtEl>
+                                          <p:spTgt spid="3">
+                                            <p:txEl>
+                                              <p:pRg st="0" end="0"/>
+                                            </p:txEl>
+                                          </p:spTgt>
+                                        </p:tgtEl>
+                                      </p:cBhvr>
+                                    </p:animEffect>
+                                    <p:anim calcmode="lin" valueType="num">
+                                      <p:cBhvr>
+                                        <p:cTn id="8" dur="1000" fill="hold"/>
+                                        <p:tgtEl>
+                                          <p:spTgt spid="3">
+                                            <p:txEl>
+                                              <p:pRg st="0" end="0"/>
+                                            </p:txEl>
+                                          </p:spTgt>
+                                        </p:tgtEl>
+                                        <p:attrNameLst>
+                                          <p:attrName>ppt_x</p:attrName>
+                                        </p:attrNameLst>
+                                      </p:cBhvr>
+                                      <p:tavLst>
+                                        <p:tav tm="0">
+                                          <p:val>
+                                            <p:strVal val="#ppt_x"/>
+                                          </p:val>
+                                        </p:tav>
+                                        <p:tav tm="100000">
+                                          <p:val>
+                                            <p:strVal val="#ppt_x"/>
+                                          </p:val>
+                                        </p:tav>
+                                      </p:tavLst>
+                                    </p:anim>
+                                    <p:anim calcmode="lin" valueType="num">
+                                      <p:cBhvr>
+                                        <p:cTn id="9" dur="1000" fill="hold"/>
+                                        <p:tgtEl>
+                                          <p:spTgt spid="3">
+                                            <p:txEl>
+                                              <p:pRg st="0" end="0"/>
+                                            </p:txEl>
+                                          </p:spTgt>
+                                        </p:tgtEl>
+                                        <p:attrNameLst>
+                                          <p:attrName>ppt_y</p:attrName>
+                                        </p:attrNameLst>
+                                      </p:cBhvr>
+                                      <p:tavLst>
+                                        <p:tav tm="0">
+                                          <p:val>
+                                            <p:strVal val="#ppt_y+.1"/>
+                                          </p:val>
+                                        </p:tav>
+                                        <p:tav tm="100000">
+                                          <p:val>
+                                            <p:strVal val="#ppt_y"/>
+                                          </p:val>
+                                        </p:tav>
+                                      </p:tavLst>
+                                    </p:anim>
+                                  </p:childTnLst>
+                                </p:cTn>
+                              </p:par>
+                            </p:childTnLst>
+                          </p:cTn>
+                        </p:par>
+                      </p:childTnLst>
+                    </p:cTn>
+                  </p:par>
+                  <p:par>
+                    <p:cTn id="10" fill="hold">
+                      <p:stCondLst>
+                        <p:cond delay="indefinite"/>
+                      </p:stCondLst>
+                      <p:childTnLst>
+                        <p:par>
+                          <p:cTn id="11" fill="hold">
+                            <p:stCondLst>
+                              <p:cond delay="0"/>
+                            </p:stCondLst>
+                            <p:childTnLst>
+                              <p:par>
+                                <p:cTn id="12" presetID="42" presetClass="entr" presetSubtype="0" fill="hold" nodeType="clickEffect">
+                                  <p:stCondLst>
+                                    <p:cond delay="0"/>
+                                  </p:stCondLst>
+                                  <p:childTnLst>
+                                    <p:set>
+                                      <p:cBhvr>
+                                        <p:cTn id="13" dur="1" fill="hold">
+                                          <p:stCondLst>
+                                            <p:cond delay="0"/>
+                                          </p:stCondLst>
+                                        </p:cTn>
+                                        <p:tgtEl>
+                                          <p:spTgt spid="3">
+                                            <p:txEl>
+                                              <p:pRg st="1" end="1"/>
+                                            </p:txEl>
+                                          </p:spTgt>
+                                        </p:tgtEl>
+                                        <p:attrNameLst>
+                                          <p:attrName>style.visibility</p:attrName>
+                                        </p:attrNameLst>
+                                      </p:cBhvr>
+                                      <p:to>
+                                        <p:strVal val="visible"/>
+                                      </p:to>
+                                    </p:set>
+                                    <p:animEffect transition="in" filter="fade">
+                                      <p:cBhvr>
+                                        <p:cTn id="14" dur="1000"/>
+                                        <p:tgtEl>
+                                          <p:spTgt spid="3">
+                                            <p:txEl>
+                                              <p:pRg st="1" end="1"/>
+                                            </p:txEl>
+                                          </p:spTgt>
+                                        </p:tgtEl>
+                                      </p:cBhvr>
+                                    </p:animEffect>
+                                    <p:anim calcmode="lin" valueType="num">
+                                      <p:cBhvr>
+                                        <p:cTn id="15" dur="1000" fill="hold"/>
+                                        <p:tgtEl>
+                                          <p:spTgt spid="3">
+                                            <p:txEl>
+                                              <p:pRg st="1" end="1"/>
+                                            </p:txEl>
+                                          </p:spTgt>
+                                        </p:tgtEl>
+                                        <p:attrNameLst>
+                                          <p:attrName>ppt_x</p:attrName>
+                                        </p:attrNameLst>
+                                      </p:cBhvr>
+                                      <p:tavLst>
+                                        <p:tav tm="0">
+                                          <p:val>
+                                            <p:strVal val="#ppt_x"/>
+                                          </p:val>
+                                        </p:tav>
+                                        <p:tav tm="100000">
+                                          <p:val>
+                                            <p:strVal val="#ppt_x"/>
+                                          </p:val>
+                                        </p:tav>
+                                      </p:tavLst>
+                                    </p:anim>
+                                    <p:anim calcmode="lin" valueType="num">
+                                      <p:cBhvr>
+                                        <p:cTn id="16" dur="1000" fill="hold"/>
+                                        <p:tgtEl>
+                                          <p:spTgt spid="3">
+                                            <p:txEl>
+                                              <p:pRg st="1" end="1"/>
+                                            </p:txEl>
+                                          </p:spTgt>
+                                        </p:tgtEl>
+                                        <p:attrNameLst>
+                                          <p:attrName>ppt_y</p:attrName>
+                                        </p:attrNameLst>
+                                      </p:cBhvr>
+                                      <p:tavLst>
+                                        <p:tav tm="0">
+                                          <p:val>
+                                            <p:strVal val="#ppt_y+.1"/>
+                                          </p:val>
+                                        </p:tav>
+                                        <p:tav tm="100000">
+                                          <p:val>
+                                            <p:strVal val="#ppt_y"/>
+                                          </p:val>
+                                        </p:tav>
+                                      </p:tavLst>
+                                    </p:anim>
+                                  </p:childTnLst>
+                                </p:cTn>
+                              </p:par>
+                            </p:childTnLst>
+                          </p:cTn>
+                        </p:par>
+                      </p:childTnLst>
+                    </p:cTn>
+                  </p:par>
+                  <p:par>
+                    <p:cTn id="17" fill="hold">
+                      <p:stCondLst>
+                        <p:cond delay="indefinite"/>
+                      </p:stCondLst>
+                      <p:childTnLst>
+                        <p:par>
+                          <p:cTn id="18" fill="hold">
+                            <p:stCondLst>
+                              <p:cond delay="0"/>
+                            </p:stCondLst>
+                            <p:childTnLst>
+                              <p:par>
+                                <p:cTn id="19" presetID="42" presetClass="entr" presetSubtype="0" fill="hold" nodeType="clickEffect">
+                                  <p:stCondLst>
+                                    <p:cond delay="0"/>
+                                  </p:stCondLst>
+                                  <p:childTnLst>
+                                    <p:set>
+                                      <p:cBhvr>
+                                        <p:cTn id="20" dur="1" fill="hold">
+                                          <p:stCondLst>
+                                            <p:cond delay="0"/>
+                                          </p:stCondLst>
+                                        </p:cTn>
+                                        <p:tgtEl>
+                                          <p:spTgt spid="3">
+                                            <p:txEl>
+                                              <p:pRg st="2" end="2"/>
+                                            </p:txEl>
+                                          </p:spTgt>
+                                        </p:tgtEl>
+                                        <p:attrNameLst>
+                                          <p:attrName>style.visibility</p:attrName>
+                                        </p:attrNameLst>
+                                      </p:cBhvr>
+                                      <p:to>
+                                        <p:strVal val="visible"/>
+                                      </p:to>
+                                    </p:set>
+                                    <p:animEffect transition="in" filter="fade">
+                                      <p:cBhvr>
+                                        <p:cTn id="21" dur="1000"/>
+                                        <p:tgtEl>
+                                          <p:spTgt spid="3">
+                                            <p:txEl>
+                                              <p:pRg st="2" end="2"/>
+                                            </p:txEl>
+                                          </p:spTgt>
+                                        </p:tgtEl>
+                                      </p:cBhvr>
+                                    </p:animEffect>
+                                    <p:anim calcmode="lin" valueType="num">
+                                      <p:cBhvr>
+                                        <p:cTn id="22" dur="1000" fill="hold"/>
+                                        <p:tgtEl>
+                                          <p:spTgt spid="3">
+                                            <p:txEl>
+                                              <p:pRg st="2" end="2"/>
+                                            </p:txEl>
+                                          </p:spTgt>
+                                        </p:tgtEl>
+                                        <p:attrNameLst>
+                                          <p:attrName>ppt_x</p:attrName>
+                                        </p:attrNameLst>
+                                      </p:cBhvr>
+                                      <p:tavLst>
+                                        <p:tav tm="0">
+                                          <p:val>
+                                            <p:strVal val="#ppt_x"/>
+                                          </p:val>
+                                        </p:tav>
+                                        <p:tav tm="100000">
+                                          <p:val>
+                                            <p:strVal val="#ppt_x"/>
+                                          </p:val>
+                                        </p:tav>
+                                      </p:tavLst>
+                                    </p:anim>
+                                    <p:anim calcmode="lin" valueType="num">
+                                      <p:cBhvr>
+                                        <p:cTn id="23" dur="1000" fill="hold"/>
+                                        <p:tgtEl>
+                                          <p:spTgt spid="3">
+                                            <p:txEl>
+                                              <p:pRg st="2" end="2"/>
+                                            </p:txEl>
+                                          </p:spTgt>
+                                        </p:tgtEl>
+                                        <p:attrNameLst>
+                                          <p:attrName>ppt_y</p:attrName>
+                                        </p:attrNameLst>
+                                      </p:cBhvr>
+                                      <p:tavLst>
+                                        <p:tav tm="0">
+                                          <p:val>
+                                            <p:strVal val="#ppt_y+.1"/>
+                                          </p:val>
+                                        </p:tav>
+                                        <p:tav tm="100000">
+                                          <p:val>
+                                            <p:strVal val="#ppt_y"/>
+                                          </p:val>
+                                        </p:tav>
+                                      </p:tavLst>
+                                    </p:anim>
+                                  </p:childTnLst>
+                                </p:cTn>
+                              </p:par>
+                            </p:childTnLst>
+                          </p:cTn>
+                        </p:par>
+                      </p:childTnLst>
+                    </p:cTn>
+                  </p:par>
+                  <p:par>
+                    <p:cTn id="24" fill="hold">
+                      <p:stCondLst>
+                        <p:cond delay="indefinite"/>
+                      </p:stCondLst>
+                      <p:childTnLst>
+                        <p:par>
+                          <p:cTn id="25" fill="hold">
+                            <p:stCondLst>
+                              <p:cond delay="0"/>
+                            </p:stCondLst>
+                            <p:childTnLst>
+                              <p:par>
+                                <p:cTn id="26" presetID="42" presetClass="entr" presetSubtype="0" fill="hold" nodeType="clickEffect">
+                                  <p:stCondLst>
+                                    <p:cond delay="0"/>
+                                  </p:stCondLst>
+                                  <p:childTnLst>
+                                    <p:set>
+                                      <p:cBhvr>
+                                        <p:cTn id="27" dur="1" fill="hold">
+                                          <p:stCondLst>
+                                            <p:cond delay="0"/>
+                                          </p:stCondLst>
+                                        </p:cTn>
+                                        <p:tgtEl>
+                                          <p:spTgt spid="3">
+                                            <p:txEl>
+                                              <p:pRg st="3" end="3"/>
+                                            </p:txEl>
+                                          </p:spTgt>
+                                        </p:tgtEl>
+                                        <p:attrNameLst>
+                                          <p:attrName>style.visibility</p:attrName>
+                                        </p:attrNameLst>
+                                      </p:cBhvr>
+                                      <p:to>
+                                        <p:strVal val="visible"/>
+                                      </p:to>
+                                    </p:set>
+                                    <p:animEffect transition="in" filter="fade">
+                                      <p:cBhvr>
+                                        <p:cTn id="28" dur="1000"/>
+                                        <p:tgtEl>
+                                          <p:spTgt spid="3">
+                                            <p:txEl>
+                                              <p:pRg st="3" end="3"/>
+                                            </p:txEl>
+                                          </p:spTgt>
+                                        </p:tgtEl>
+                                      </p:cBhvr>
+                                    </p:animEffect>
+                                    <p:anim calcmode="lin" valueType="num">
+                                      <p:cBhvr>
+                                        <p:cTn id="29" dur="1000" fill="hold"/>
+                                        <p:tgtEl>
+                                          <p:spTgt spid="3">
+                                            <p:txEl>
+                                              <p:pRg st="3" end="3"/>
+                                            </p:txEl>
+                                          </p:spTgt>
+                                        </p:tgtEl>
+                                        <p:attrNameLst>
+                                          <p:attrName>ppt_x</p:attrName>
+                                        </p:attrNameLst>
+                                      </p:cBhvr>
+                                      <p:tavLst>
+                                        <p:tav tm="0">
+                                          <p:val>
+                                            <p:strVal val="#ppt_x"/>
+                                          </p:val>
+                                        </p:tav>
+                                        <p:tav tm="100000">
+                                          <p:val>
+                                            <p:strVal val="#ppt_x"/>
+                                          </p:val>
+                                        </p:tav>
+                                      </p:tavLst>
+                                    </p:anim>
+                                    <p:anim calcmode="lin" valueType="num">
+                                      <p:cBhvr>
+                                        <p:cTn id="30" dur="1000" fill="hold"/>
+                                        <p:tgtEl>
+                                          <p:spTgt spid="3">
+                                            <p:txEl>
+                                              <p:pRg st="3" end="3"/>
+                                            </p:txEl>
+                                          </p:spTgt>
+                                        </p:tgtEl>
+                                        <p:attrNameLst>
+                                          <p:attrName>ppt_y</p:attrName>
+                                        </p:attrNameLst>
+                                      </p:cBhvr>
+                                      <p:tavLst>
+                                        <p:tav tm="0">
+                                          <p:val>
+                                            <p:strVal val="#ppt_y+.1"/>
+                                          </p:val>
+                                        </p:tav>
+                                        <p:tav tm="100000">
+                                          <p:val>
+                                            <p:strVal val="#ppt_y"/>
+                                          </p:val>
+                                        </p:tav>
+                                      </p:tavLst>
+                                    </p:anim>
+                                  </p:childTnLst>
+                                </p:cTn>
+                              </p:par>
+                            </p:childTnLst>
+                          </p:cTn>
+                        </p:par>
+                      </p:childTnLst>
+                    </p:cTn>
+                  </p:par>
+                  <p:par>
+                    <p:cTn id="31" fill="hold">
+                      <p:stCondLst>
+                        <p:cond delay="indefinite"/>
+                      </p:stCondLst>
+                      <p:childTnLst>
+                        <p:par>
+                          <p:cTn id="32" fill="hold">
+                            <p:stCondLst>
+                              <p:cond delay="0"/>
+                            </p:stCondLst>
+                            <p:childTnLst>
+                              <p:par>
+                                <p:cTn id="33" presetID="42" presetClass="entr" presetSubtype="0" fill="hold" nodeType="clickEffect">
+                                  <p:stCondLst>
+                                    <p:cond delay="0"/>
+                                  </p:stCondLst>
+                                  <p:childTnLst>
+                                    <p:set>
+                                      <p:cBhvr>
+                                        <p:cTn id="34" dur="1" fill="hold">
+                                          <p:stCondLst>
+                                            <p:cond delay="0"/>
+                                          </p:stCondLst>
+                                        </p:cTn>
+                                        <p:tgtEl>
+                                          <p:spTgt spid="3">
+                                            <p:txEl>
+                                              <p:pRg st="4" end="4"/>
+                                            </p:txEl>
+                                          </p:spTgt>
+                                        </p:tgtEl>
+                                        <p:attrNameLst>
+                                          <p:attrName>style.visibility</p:attrName>
+                                        </p:attrNameLst>
+                                      </p:cBhvr>
+                                      <p:to>
+                                        <p:strVal val="visible"/>
+                                      </p:to>
+                                    </p:set>
+                                    <p:animEffect transition="in" filter="fade">
+                                      <p:cBhvr>
+                                        <p:cTn id="35" dur="1000"/>
+                                        <p:tgtEl>
+                                          <p:spTgt spid="3">
+                                            <p:txEl>
+                                              <p:pRg st="4" end="4"/>
+                                            </p:txEl>
+                                          </p:spTgt>
+                                        </p:tgtEl>
+                                      </p:cBhvr>
+                                    </p:animEffect>
+                                    <p:anim calcmode="lin" valueType="num">
+                                      <p:cBhvr>
+                                        <p:cTn id="36" dur="1000" fill="hold"/>
+                                        <p:tgtEl>
+                                          <p:spTgt spid="3">
+                                            <p:txEl>
+                                              <p:pRg st="4" end="4"/>
+                                            </p:txEl>
+                                          </p:spTgt>
+                                        </p:tgtEl>
+                                        <p:attrNameLst>
+                                          <p:attrName>ppt_x</p:attrName>
+                                        </p:attrNameLst>
+                                      </p:cBhvr>
+                                      <p:tavLst>
+                                        <p:tav tm="0">
+                                          <p:val>
+                                            <p:strVal val="#ppt_x"/>
+                                          </p:val>
+                                        </p:tav>
+                                        <p:tav tm="100000">
+                                          <p:val>
+                                            <p:strVal val="#ppt_x"/>
+                                          </p:val>
+                                        </p:tav>
+                                      </p:tavLst>
+                                    </p:anim>
+                                    <p:anim calcmode="lin" valueType="num">
+                                      <p:cBhvr>
+                                        <p:cTn id="37" dur="1000" fill="hold"/>
+                                        <p:tgtEl>
+                                          <p:spTgt spid="3">
+                                            <p:txEl>
+                                              <p:pRg st="4" end="4"/>
+                                            </p:txEl>
+                                          </p:spTgt>
+                                        </p:tgtEl>
+                                        <p:attrNameLst>
+                                          <p:attrName>ppt_y</p:attrName>
+                                        </p:attrNameLst>
+                                      </p:cBhvr>
+                                      <p:tavLst>
+                                        <p:tav tm="0">
+                                          <p:val>
+                                            <p:strVal val="#ppt_y+.1"/>
+                                          </p:val>
+                                        </p:tav>
+                                        <p:tav tm="100000">
+                                          <p:val>
+                                            <p:strVal val="#ppt_y"/>
+                                          </p:val>
+                                        </p:tav>
+                                      </p:tavLst>
+                                    </p:anim>
+                                  </p:childTnLst>
+                                </p:cTn>
+                              </p:par>
+                            </p:childTnLst>
+                          </p:cTn>
+                        </p:par>
+                      </p:childTnLst>
+                    </p:cTn>
+                  </p:par>
+                </p:childTnLst>
+              </p:cTn>
+              <p:prevCondLst>
+                <p:cond evt="onPrev" delay="0">
+                  <p:tgtEl>
+                    <p:sldTgt/>
+                  </p:tgtEl>
+                </p:cond>
+              </p:prevCondLst>
+              <p:nextCondLst>
+                <p:cond evt="onNext" delay="0">
+                  <p:tgtEl>
+                    <p:sldTgt/>
+                  </p:tgtEl>
+                </p:cond>
+              </p:nextCondLst>
+            </p:seq>
+          </p:childTnLst>
+        </p:cTn>
+      </p:par>
+    </p:tnLst>
+  </p:timing>
+</p:sld>
+</file>
+
+<file path=ppt/slides/slide18.xml><?xml version="1.0" encoding="utf-8"?>
+<p:sld xmlns:a="http://schemas.openxmlformats.org/drawingml/2006/main" xmlns:r="http://schemas.openxmlformats.org/officeDocument/2006/relationships" xmlns:p="http://schemas.openxmlformats.org/presentationml/2006/main">
+  <p:cSld>
+    <p:spTree>
+      <p:nvGrpSpPr>
+        <p:cNvPr id="1" name=""/>
+        <p:cNvGrpSpPr/>
+        <p:nvPr/>
+      </p:nvGrpSpPr>
+      <p:grpSpPr>
+        <a:xfrm>
+          <a:off x="0" y="0"/>
+          <a:ext cx="0" cy="0"/>
+          <a:chOff x="0" y="0"/>
+          <a:chExt cx="0" cy="0"/>
+        </a:xfrm>
+      </p:grpSpPr>
       <p:sp>
         <p:nvSpPr>
           <p:cNvPr id="2" name="Title 1"/>
@@ -6195,7 +7563,11 @@
           <a:p>
             <a:r>
               <a:rPr lang="en-US" dirty="0" smtClean="0"/>
-              <a:t>Problem 10</a:t>
+              <a:t>Problem </a:t>
+            </a:r>
+            <a:r>
+              <a:rPr lang="en-US" dirty="0"/>
+              <a:t>3</a:t>
             </a:r>
             <a:endParaRPr lang="en-US" dirty="0"/>
           </a:p>
@@ -6220,7 +7592,15 @@
           <a:p>
             <a:r>
               <a:rPr lang="en-US" dirty="0" smtClean="0"/>
-              <a:t>There are two blocks on a horizontal frictionless surface with a mass of 2 kg and 3 kg. They are linked to each other by a string. We pull them with a force of 10 N. </a:t>
+              <a:t>There are two blocks on a horizontal </a:t>
+            </a:r>
+            <a:r>
+              <a:rPr lang="en-US" dirty="0" smtClean="0"/>
+              <a:t>surface </a:t>
+            </a:r>
+            <a:r>
+              <a:rPr lang="en-US" dirty="0" smtClean="0"/>
+              <a:t>with a mass of 2 kg and 3 kg. They are linked to each other by a string. We pull them with a force of 10 N. </a:t>
             </a:r>
             <a:r>
               <a:rPr lang="en-US" dirty="0" smtClean="0"/>
@@ -6304,7 +7684,7 @@
 </p:sld>
 </file>
 
-<file path=ppt/slides/slide18.xml><?xml version="1.0" encoding="utf-8"?>
+<file path=ppt/slides/slide19.xml><?xml version="1.0" encoding="utf-8"?>
 <p:sld xmlns:a="http://schemas.openxmlformats.org/drawingml/2006/main" xmlns:r="http://schemas.openxmlformats.org/officeDocument/2006/relationships" xmlns:p="http://schemas.openxmlformats.org/presentationml/2006/main">
   <p:cSld>
     <p:spTree>
@@ -7601,94 +8981,6 @@
 </p:sld>
 </file>
 
-<file path=ppt/slides/slide19.xml><?xml version="1.0" encoding="utf-8"?>
-<p:sld xmlns:a="http://schemas.openxmlformats.org/drawingml/2006/main" xmlns:r="http://schemas.openxmlformats.org/officeDocument/2006/relationships" xmlns:p="http://schemas.openxmlformats.org/presentationml/2006/main">
-  <p:cSld>
-    <p:spTree>
-      <p:nvGrpSpPr>
-        <p:cNvPr id="1" name=""/>
-        <p:cNvGrpSpPr/>
-        <p:nvPr/>
-      </p:nvGrpSpPr>
-      <p:grpSpPr>
-        <a:xfrm>
-          <a:off x="0" y="0"/>
-          <a:ext cx="0" cy="0"/>
-          <a:chOff x="0" y="0"/>
-          <a:chExt cx="0" cy="0"/>
-        </a:xfrm>
-      </p:grpSpPr>
-      <p:sp>
-        <p:nvSpPr>
-          <p:cNvPr id="2" name="Title 1"/>
-          <p:cNvSpPr>
-            <a:spLocks noGrp="1"/>
-          </p:cNvSpPr>
-          <p:nvPr>
-            <p:ph type="title"/>
-          </p:nvPr>
-        </p:nvSpPr>
-        <p:spPr/>
-        <p:txBody>
-          <a:bodyPr/>
-          <a:lstStyle/>
-          <a:p>
-            <a:r>
-              <a:rPr lang="en-US" dirty="0" smtClean="0"/>
-              <a:t>Homework</a:t>
-            </a:r>
-            <a:endParaRPr lang="en-US" dirty="0"/>
-          </a:p>
-        </p:txBody>
-      </p:sp>
-      <p:sp>
-        <p:nvSpPr>
-          <p:cNvPr id="5" name="Content Placeholder 4"/>
-          <p:cNvSpPr>
-            <a:spLocks noGrp="1"/>
-          </p:cNvSpPr>
-          <p:nvPr>
-            <p:ph idx="1"/>
-          </p:nvPr>
-        </p:nvSpPr>
-        <p:spPr/>
-        <p:txBody>
-          <a:bodyPr/>
-          <a:lstStyle/>
-          <a:p>
-            <a:r>
-              <a:rPr lang="en-US" dirty="0"/>
-              <a:t>https://www.youtube.com/watch?v=qy-EJRDyt-A</a:t>
-            </a:r>
-          </a:p>
-          <a:p>
-            <a:pPr marL="0" indent="0">
-              <a:buNone/>
-            </a:pPr>
-            <a:endParaRPr lang="en-US" dirty="0"/>
-          </a:p>
-        </p:txBody>
-      </p:sp>
-    </p:spTree>
-    <p:extLst>
-      <p:ext uri="{BB962C8B-B14F-4D97-AF65-F5344CB8AC3E}">
-        <p14:creationId xmlns:p14="http://schemas.microsoft.com/office/powerpoint/2010/main" val="4052901522"/>
-      </p:ext>
-    </p:extLst>
-  </p:cSld>
-  <p:clrMapOvr>
-    <a:masterClrMapping/>
-  </p:clrMapOvr>
-  <p:timing>
-    <p:tnLst>
-      <p:par>
-        <p:cTn id="1" dur="indefinite" restart="never" nodeType="tmRoot"/>
-      </p:par>
-    </p:tnLst>
-  </p:timing>
-</p:sld>
-</file>
-
 <file path=ppt/slides/slide2.xml><?xml version="1.0" encoding="utf-8"?>
 <p:sld xmlns:a="http://schemas.openxmlformats.org/drawingml/2006/main" xmlns:r="http://schemas.openxmlformats.org/officeDocument/2006/relationships" xmlns:p="http://schemas.openxmlformats.org/presentationml/2006/main">
   <p:cSld>
@@ -7779,20 +9071,16 @@
           </a:p>
           <a:p>
             <a:r>
-              <a:rPr lang="en-US" smtClean="0"/>
+              <a:rPr lang="en-US" dirty="0" smtClean="0"/>
               <a:t>m</a:t>
             </a:r>
             <a:r>
-              <a:rPr lang="en-US" baseline="-25000" smtClean="0"/>
+              <a:rPr lang="en-US" baseline="-25000" dirty="0" smtClean="0"/>
               <a:t>3</a:t>
             </a:r>
             <a:r>
-              <a:rPr lang="en-US" smtClean="0"/>
-              <a:t>=10 </a:t>
-            </a:r>
-            <a:r>
               <a:rPr lang="en-US" dirty="0" smtClean="0"/>
-              <a:t>kg</a:t>
+              <a:t>=10 kg</a:t>
             </a:r>
           </a:p>
           <a:p>
@@ -8289,6 +9577,2763 @@
     <p:tnLst>
       <p:par>
         <p:cTn id="1" dur="indefinite" restart="never" nodeType="tmRoot"/>
+      </p:par>
+    </p:tnLst>
+  </p:timing>
+</p:sld>
+</file>
+
+<file path=ppt/slides/slide20.xml><?xml version="1.0" encoding="utf-8"?>
+<p:sld xmlns:a="http://schemas.openxmlformats.org/drawingml/2006/main" xmlns:r="http://schemas.openxmlformats.org/officeDocument/2006/relationships" xmlns:p="http://schemas.openxmlformats.org/presentationml/2006/main">
+  <p:cSld>
+    <p:spTree>
+      <p:nvGrpSpPr>
+        <p:cNvPr id="1" name=""/>
+        <p:cNvGrpSpPr/>
+        <p:nvPr/>
+      </p:nvGrpSpPr>
+      <p:grpSpPr>
+        <a:xfrm>
+          <a:off x="0" y="0"/>
+          <a:ext cx="0" cy="0"/>
+          <a:chOff x="0" y="0"/>
+          <a:chExt cx="0" cy="0"/>
+        </a:xfrm>
+      </p:grpSpPr>
+      <p:sp>
+        <p:nvSpPr>
+          <p:cNvPr id="2" name="Title 1"/>
+          <p:cNvSpPr>
+            <a:spLocks noGrp="1"/>
+          </p:cNvSpPr>
+          <p:nvPr>
+            <p:ph type="title"/>
+          </p:nvPr>
+        </p:nvSpPr>
+        <p:spPr/>
+        <p:txBody>
+          <a:bodyPr/>
+          <a:lstStyle/>
+          <a:p>
+            <a:r>
+              <a:rPr lang="en-US" dirty="0" smtClean="0"/>
+              <a:t>Homework</a:t>
+            </a:r>
+            <a:endParaRPr lang="en-US" dirty="0"/>
+          </a:p>
+        </p:txBody>
+      </p:sp>
+      <p:sp>
+        <p:nvSpPr>
+          <p:cNvPr id="5" name="Content Placeholder 4"/>
+          <p:cNvSpPr>
+            <a:spLocks noGrp="1"/>
+          </p:cNvSpPr>
+          <p:nvPr>
+            <p:ph idx="1"/>
+          </p:nvPr>
+        </p:nvSpPr>
+        <p:spPr/>
+        <p:txBody>
+          <a:bodyPr/>
+          <a:lstStyle/>
+          <a:p>
+            <a:r>
+              <a:rPr lang="en-US" dirty="0"/>
+              <a:t>https://www.youtube.com/watch?v=qy-EJRDyt-A</a:t>
+            </a:r>
+          </a:p>
+          <a:p>
+            <a:pPr marL="0" indent="0">
+              <a:buNone/>
+            </a:pPr>
+            <a:endParaRPr lang="en-US" dirty="0"/>
+          </a:p>
+        </p:txBody>
+      </p:sp>
+    </p:spTree>
+    <p:extLst>
+      <p:ext uri="{BB962C8B-B14F-4D97-AF65-F5344CB8AC3E}">
+        <p14:creationId xmlns:p14="http://schemas.microsoft.com/office/powerpoint/2010/main" val="4052901522"/>
+      </p:ext>
+    </p:extLst>
+  </p:cSld>
+  <p:clrMapOvr>
+    <a:masterClrMapping/>
+  </p:clrMapOvr>
+  <p:timing>
+    <p:tnLst>
+      <p:par>
+        <p:cTn id="1" dur="indefinite" restart="never" nodeType="tmRoot"/>
+      </p:par>
+    </p:tnLst>
+  </p:timing>
+</p:sld>
+</file>
+
+<file path=ppt/slides/slide21.xml><?xml version="1.0" encoding="utf-8"?>
+<p:sld xmlns:a="http://schemas.openxmlformats.org/drawingml/2006/main" xmlns:r="http://schemas.openxmlformats.org/officeDocument/2006/relationships" xmlns:p="http://schemas.openxmlformats.org/presentationml/2006/main">
+  <p:cSld>
+    <p:spTree>
+      <p:nvGrpSpPr>
+        <p:cNvPr id="1" name=""/>
+        <p:cNvGrpSpPr/>
+        <p:nvPr/>
+      </p:nvGrpSpPr>
+      <p:grpSpPr>
+        <a:xfrm>
+          <a:off x="0" y="0"/>
+          <a:ext cx="0" cy="0"/>
+          <a:chOff x="0" y="0"/>
+          <a:chExt cx="0" cy="0"/>
+        </a:xfrm>
+      </p:grpSpPr>
+      <p:sp>
+        <p:nvSpPr>
+          <p:cNvPr id="2" name="Title 1"/>
+          <p:cNvSpPr>
+            <a:spLocks noGrp="1"/>
+          </p:cNvSpPr>
+          <p:nvPr>
+            <p:ph type="title"/>
+          </p:nvPr>
+        </p:nvSpPr>
+        <p:spPr/>
+        <p:txBody>
+          <a:bodyPr/>
+          <a:lstStyle/>
+          <a:p>
+            <a:r>
+              <a:rPr lang="en-US" dirty="0" smtClean="0"/>
+              <a:t>Problem 4</a:t>
+            </a:r>
+            <a:endParaRPr lang="en-US" dirty="0"/>
+          </a:p>
+        </p:txBody>
+      </p:sp>
+      <mc:AlternateContent xmlns:mc="http://schemas.openxmlformats.org/markup-compatibility/2006">
+        <mc:Choice xmlns:a14="http://schemas.microsoft.com/office/drawing/2010/main" Requires="a14">
+          <p:sp>
+            <p:nvSpPr>
+              <p:cNvPr id="3" name="Content Placeholder 2"/>
+              <p:cNvSpPr>
+                <a:spLocks noGrp="1"/>
+              </p:cNvSpPr>
+              <p:nvPr>
+                <p:ph idx="1"/>
+              </p:nvPr>
+            </p:nvSpPr>
+            <p:spPr/>
+            <p:txBody>
+              <a:bodyPr/>
+              <a:lstStyle/>
+              <a:p>
+                <a:r>
+                  <a:rPr lang="en-US" dirty="0" smtClean="0"/>
+                  <a:t>We start a 3 kg brick with an initial speed of </a:t>
+                </a:r>
+                <a14:m>
+                  <m:oMath xmlns:m="http://schemas.openxmlformats.org/officeDocument/2006/math">
+                    <m:r>
+                      <a:rPr lang="en-US" b="0" i="1" smtClean="0">
+                        <a:latin typeface="Cambria Math" panose="02040503050406030204" pitchFamily="18" charset="0"/>
+                      </a:rPr>
+                      <m:t>5</m:t>
+                    </m:r>
+                    <m:f>
+                      <m:fPr>
+                        <m:ctrlPr>
+                          <a:rPr lang="en-US" b="0" i="1" smtClean="0">
+                            <a:latin typeface="Cambria Math" panose="02040503050406030204" pitchFamily="18" charset="0"/>
+                          </a:rPr>
+                        </m:ctrlPr>
+                      </m:fPr>
+                      <m:num>
+                        <m:r>
+                          <a:rPr lang="en-US" b="0" i="1" smtClean="0">
+                            <a:latin typeface="Cambria Math" panose="02040503050406030204" pitchFamily="18" charset="0"/>
+                          </a:rPr>
+                          <m:t>𝑚</m:t>
+                        </m:r>
+                      </m:num>
+                      <m:den>
+                        <m:r>
+                          <a:rPr lang="en-US" b="0" i="1" smtClean="0">
+                            <a:latin typeface="Cambria Math" panose="02040503050406030204" pitchFamily="18" charset="0"/>
+                          </a:rPr>
+                          <m:t>𝑠</m:t>
+                        </m:r>
+                      </m:den>
+                    </m:f>
+                  </m:oMath>
+                </a14:m>
+                <a:r>
+                  <a:rPr lang="en-US" dirty="0" smtClean="0"/>
+                  <a:t>.  </a:t>
+                </a:r>
+                <a14:m>
+                  <m:oMath xmlns:m="http://schemas.openxmlformats.org/officeDocument/2006/math">
+                    <m:sSub>
+                      <m:sSubPr>
+                        <m:ctrlPr>
+                          <a:rPr lang="en-US" i="1" smtClean="0">
+                            <a:latin typeface="Cambria Math" panose="02040503050406030204" pitchFamily="18" charset="0"/>
+                            <a:ea typeface="Cambria Math" panose="02040503050406030204" pitchFamily="18" charset="0"/>
+                          </a:rPr>
+                        </m:ctrlPr>
+                      </m:sSubPr>
+                      <m:e>
+                        <m:r>
+                          <a:rPr lang="en-US" i="1" smtClean="0">
+                            <a:latin typeface="Cambria Math" panose="02040503050406030204" pitchFamily="18" charset="0"/>
+                            <a:ea typeface="Cambria Math" panose="02040503050406030204" pitchFamily="18" charset="0"/>
+                          </a:rPr>
+                          <m:t>𝜇</m:t>
+                        </m:r>
+                      </m:e>
+                      <m:sub>
+                        <m:r>
+                          <a:rPr lang="en-US" b="0" i="1" smtClean="0">
+                            <a:latin typeface="Cambria Math" panose="02040503050406030204" pitchFamily="18" charset="0"/>
+                            <a:ea typeface="Cambria Math" panose="02040503050406030204" pitchFamily="18" charset="0"/>
+                          </a:rPr>
+                          <m:t>𝑘</m:t>
+                        </m:r>
+                      </m:sub>
+                    </m:sSub>
+                  </m:oMath>
+                </a14:m>
+                <a:r>
+                  <a:rPr lang="en-US" dirty="0" smtClean="0"/>
+                  <a:t>=0.333. Describe the motion of the brick. Calculate the distance covered until the brick stops.</a:t>
+                </a:r>
+                <a:endParaRPr lang="en-US" dirty="0"/>
+              </a:p>
+            </p:txBody>
+          </p:sp>
+        </mc:Choice>
+        <mc:Fallback>
+          <p:sp>
+            <p:nvSpPr>
+              <p:cNvPr id="3" name="Content Placeholder 2"/>
+              <p:cNvSpPr>
+                <a:spLocks noGrp="1" noRot="1" noChangeAspect="1" noMove="1" noResize="1" noEditPoints="1" noAdjustHandles="1" noChangeArrowheads="1" noChangeShapeType="1" noTextEdit="1"/>
+              </p:cNvSpPr>
+              <p:nvPr>
+                <p:ph idx="1"/>
+              </p:nvPr>
+            </p:nvSpPr>
+            <p:spPr>
+              <a:blipFill>
+                <a:blip r:embed="rId2"/>
+                <a:stretch>
+                  <a:fillRect l="-1043" t="-980" r="-812"/>
+                </a:stretch>
+              </a:blipFill>
+            </p:spPr>
+            <p:txBody>
+              <a:bodyPr/>
+              <a:lstStyle/>
+              <a:p>
+                <a:r>
+                  <a:rPr lang="en-US">
+                    <a:noFill/>
+                  </a:rPr>
+                  <a:t> </a:t>
+                </a:r>
+              </a:p>
+            </p:txBody>
+          </p:sp>
+        </mc:Fallback>
+      </mc:AlternateContent>
+    </p:spTree>
+    <p:extLst>
+      <p:ext uri="{BB962C8B-B14F-4D97-AF65-F5344CB8AC3E}">
+        <p14:creationId xmlns:p14="http://schemas.microsoft.com/office/powerpoint/2010/main" val="48240840"/>
+      </p:ext>
+    </p:extLst>
+  </p:cSld>
+  <p:clrMapOvr>
+    <a:masterClrMapping/>
+  </p:clrMapOvr>
+  <p:timing>
+    <p:tnLst>
+      <p:par>
+        <p:cTn id="1" dur="indefinite" restart="never" nodeType="tmRoot"/>
+      </p:par>
+    </p:tnLst>
+  </p:timing>
+</p:sld>
+</file>
+
+<file path=ppt/slides/slide22.xml><?xml version="1.0" encoding="utf-8"?>
+<p:sld xmlns:a="http://schemas.openxmlformats.org/drawingml/2006/main" xmlns:r="http://schemas.openxmlformats.org/officeDocument/2006/relationships" xmlns:p="http://schemas.openxmlformats.org/presentationml/2006/main">
+  <p:cSld>
+    <p:spTree>
+      <p:nvGrpSpPr>
+        <p:cNvPr id="1" name=""/>
+        <p:cNvGrpSpPr/>
+        <p:nvPr/>
+      </p:nvGrpSpPr>
+      <p:grpSpPr>
+        <a:xfrm>
+          <a:off x="0" y="0"/>
+          <a:ext cx="0" cy="0"/>
+          <a:chOff x="0" y="0"/>
+          <a:chExt cx="0" cy="0"/>
+        </a:xfrm>
+      </p:grpSpPr>
+      <p:sp>
+        <p:nvSpPr>
+          <p:cNvPr id="2" name="Title 1"/>
+          <p:cNvSpPr>
+            <a:spLocks noGrp="1"/>
+          </p:cNvSpPr>
+          <p:nvPr>
+            <p:ph type="title"/>
+          </p:nvPr>
+        </p:nvSpPr>
+        <p:spPr/>
+        <p:txBody>
+          <a:bodyPr/>
+          <a:lstStyle/>
+          <a:p>
+            <a:r>
+              <a:rPr lang="en-US" dirty="0" smtClean="0"/>
+              <a:t>Problem 5.</a:t>
+            </a:r>
+            <a:endParaRPr lang="en-US" dirty="0"/>
+          </a:p>
+        </p:txBody>
+      </p:sp>
+      <mc:AlternateContent xmlns:mc="http://schemas.openxmlformats.org/markup-compatibility/2006">
+        <mc:Choice xmlns:a14="http://schemas.microsoft.com/office/drawing/2010/main" Requires="a14">
+          <p:sp>
+            <p:nvSpPr>
+              <p:cNvPr id="3" name="Content Placeholder 2"/>
+              <p:cNvSpPr>
+                <a:spLocks noGrp="1"/>
+              </p:cNvSpPr>
+              <p:nvPr>
+                <p:ph idx="1"/>
+              </p:nvPr>
+            </p:nvSpPr>
+            <p:spPr/>
+            <p:txBody>
+              <a:bodyPr/>
+              <a:lstStyle/>
+              <a:p>
+                <a:r>
+                  <a:rPr lang="en-US" dirty="0" smtClean="0"/>
+                  <a:t>The mass of a car is 1100 kg. The engine accelerates it to the speed of </a:t>
+                </a:r>
+                <a14:m>
+                  <m:oMath xmlns:m="http://schemas.openxmlformats.org/officeDocument/2006/math">
+                    <m:r>
+                      <a:rPr lang="en-US" b="0" i="1" smtClean="0">
+                        <a:latin typeface="Cambria Math" panose="02040503050406030204" pitchFamily="18" charset="0"/>
+                      </a:rPr>
+                      <m:t>54</m:t>
+                    </m:r>
+                    <m:f>
+                      <m:fPr>
+                        <m:ctrlPr>
+                          <a:rPr lang="en-US" b="0" i="1" smtClean="0">
+                            <a:latin typeface="Cambria Math" panose="02040503050406030204" pitchFamily="18" charset="0"/>
+                          </a:rPr>
+                        </m:ctrlPr>
+                      </m:fPr>
+                      <m:num>
+                        <m:r>
+                          <a:rPr lang="en-US" b="0" i="1" smtClean="0">
+                            <a:latin typeface="Cambria Math" panose="02040503050406030204" pitchFamily="18" charset="0"/>
+                          </a:rPr>
+                          <m:t>𝑘𝑚</m:t>
+                        </m:r>
+                      </m:num>
+                      <m:den>
+                        <m:r>
+                          <a:rPr lang="en-US" b="0" i="1" smtClean="0">
+                            <a:latin typeface="Cambria Math" panose="02040503050406030204" pitchFamily="18" charset="0"/>
+                          </a:rPr>
+                          <m:t>h</m:t>
+                        </m:r>
+                      </m:den>
+                    </m:f>
+                  </m:oMath>
+                </a14:m>
+                <a:r>
+                  <a:rPr lang="en-US" dirty="0" smtClean="0"/>
+                  <a:t> in 30 s. Calculate the applied force if the </a:t>
+                </a:r>
+                <a14:m>
+                  <m:oMath xmlns:m="http://schemas.openxmlformats.org/officeDocument/2006/math">
+                    <m:sSub>
+                      <m:sSubPr>
+                        <m:ctrlPr>
+                          <a:rPr lang="en-US" i="1" smtClean="0">
+                            <a:latin typeface="Cambria Math" panose="02040503050406030204" pitchFamily="18" charset="0"/>
+                          </a:rPr>
+                        </m:ctrlPr>
+                      </m:sSubPr>
+                      <m:e>
+                        <m:r>
+                          <a:rPr lang="en-US" i="1" smtClean="0">
+                            <a:latin typeface="Cambria Math" panose="02040503050406030204" pitchFamily="18" charset="0"/>
+                            <a:ea typeface="Cambria Math" panose="02040503050406030204" pitchFamily="18" charset="0"/>
+                          </a:rPr>
+                          <m:t>𝜇</m:t>
+                        </m:r>
+                      </m:e>
+                      <m:sub>
+                        <m:r>
+                          <a:rPr lang="en-US" b="0" i="1" smtClean="0">
+                            <a:latin typeface="Cambria Math" panose="02040503050406030204" pitchFamily="18" charset="0"/>
+                          </a:rPr>
+                          <m:t>𝑘</m:t>
+                        </m:r>
+                      </m:sub>
+                    </m:sSub>
+                    <m:r>
+                      <a:rPr lang="en-US" b="0" i="1" smtClean="0">
+                        <a:latin typeface="Cambria Math" panose="02040503050406030204" pitchFamily="18" charset="0"/>
+                      </a:rPr>
+                      <m:t>=0.05.</m:t>
+                    </m:r>
+                  </m:oMath>
+                </a14:m>
+                <a:endParaRPr lang="en-US" dirty="0"/>
+              </a:p>
+            </p:txBody>
+          </p:sp>
+        </mc:Choice>
+        <mc:Fallback>
+          <p:sp>
+            <p:nvSpPr>
+              <p:cNvPr id="3" name="Content Placeholder 2"/>
+              <p:cNvSpPr>
+                <a:spLocks noGrp="1" noRot="1" noChangeAspect="1" noMove="1" noResize="1" noEditPoints="1" noAdjustHandles="1" noChangeArrowheads="1" noChangeShapeType="1" noTextEdit="1"/>
+              </p:cNvSpPr>
+              <p:nvPr>
+                <p:ph idx="1"/>
+              </p:nvPr>
+            </p:nvSpPr>
+            <p:spPr>
+              <a:blipFill>
+                <a:blip r:embed="rId2"/>
+                <a:stretch>
+                  <a:fillRect l="-1043" t="-2241" r="-1275"/>
+                </a:stretch>
+              </a:blipFill>
+            </p:spPr>
+            <p:txBody>
+              <a:bodyPr/>
+              <a:lstStyle/>
+              <a:p>
+                <a:r>
+                  <a:rPr lang="en-US">
+                    <a:noFill/>
+                  </a:rPr>
+                  <a:t> </a:t>
+                </a:r>
+              </a:p>
+            </p:txBody>
+          </p:sp>
+        </mc:Fallback>
+      </mc:AlternateContent>
+    </p:spTree>
+    <p:extLst>
+      <p:ext uri="{BB962C8B-B14F-4D97-AF65-F5344CB8AC3E}">
+        <p14:creationId xmlns:p14="http://schemas.microsoft.com/office/powerpoint/2010/main" val="1295487588"/>
+      </p:ext>
+    </p:extLst>
+  </p:cSld>
+  <p:clrMapOvr>
+    <a:masterClrMapping/>
+  </p:clrMapOvr>
+  <p:timing>
+    <p:tnLst>
+      <p:par>
+        <p:cTn id="1" dur="indefinite" restart="never" nodeType="tmRoot"/>
+      </p:par>
+    </p:tnLst>
+  </p:timing>
+</p:sld>
+</file>
+
+<file path=ppt/slides/slide23.xml><?xml version="1.0" encoding="utf-8"?>
+<p:sld xmlns:a="http://schemas.openxmlformats.org/drawingml/2006/main" xmlns:r="http://schemas.openxmlformats.org/officeDocument/2006/relationships" xmlns:p="http://schemas.openxmlformats.org/presentationml/2006/main">
+  <p:cSld>
+    <p:spTree>
+      <p:nvGrpSpPr>
+        <p:cNvPr id="1" name=""/>
+        <p:cNvGrpSpPr/>
+        <p:nvPr/>
+      </p:nvGrpSpPr>
+      <p:grpSpPr>
+        <a:xfrm>
+          <a:off x="0" y="0"/>
+          <a:ext cx="0" cy="0"/>
+          <a:chOff x="0" y="0"/>
+          <a:chExt cx="0" cy="0"/>
+        </a:xfrm>
+      </p:grpSpPr>
+      <p:sp>
+        <p:nvSpPr>
+          <p:cNvPr id="2" name="Title 1"/>
+          <p:cNvSpPr>
+            <a:spLocks noGrp="1"/>
+          </p:cNvSpPr>
+          <p:nvPr>
+            <p:ph type="title"/>
+          </p:nvPr>
+        </p:nvSpPr>
+        <p:spPr/>
+        <p:txBody>
+          <a:bodyPr/>
+          <a:lstStyle/>
+          <a:p>
+            <a:r>
+              <a:rPr lang="en-US" dirty="0" smtClean="0"/>
+              <a:t>Problem 6. </a:t>
+            </a:r>
+            <a:endParaRPr lang="en-US" dirty="0"/>
+          </a:p>
+        </p:txBody>
+      </p:sp>
+      <mc:AlternateContent xmlns:mc="http://schemas.openxmlformats.org/markup-compatibility/2006">
+        <mc:Choice xmlns:a14="http://schemas.microsoft.com/office/drawing/2010/main" Requires="a14">
+          <p:sp>
+            <p:nvSpPr>
+              <p:cNvPr id="3" name="Content Placeholder 2"/>
+              <p:cNvSpPr>
+                <a:spLocks noGrp="1"/>
+              </p:cNvSpPr>
+              <p:nvPr>
+                <p:ph idx="1"/>
+              </p:nvPr>
+            </p:nvSpPr>
+            <p:spPr/>
+            <p:txBody>
+              <a:bodyPr/>
+              <a:lstStyle/>
+              <a:p>
+                <a:r>
+                  <a:rPr lang="en-US" dirty="0" smtClean="0"/>
+                  <a:t>Find the applied force if an 1000 kg object accelerates with </a:t>
+                </a:r>
+                <a14:m>
+                  <m:oMath xmlns:m="http://schemas.openxmlformats.org/officeDocument/2006/math">
+                    <m:r>
+                      <a:rPr lang="en-US" b="0" i="1" smtClean="0">
+                        <a:latin typeface="Cambria Math" panose="02040503050406030204" pitchFamily="18" charset="0"/>
+                      </a:rPr>
+                      <m:t>0.2</m:t>
+                    </m:r>
+                    <m:f>
+                      <m:fPr>
+                        <m:ctrlPr>
+                          <a:rPr lang="en-US" b="0" i="1" smtClean="0">
+                            <a:latin typeface="Cambria Math" panose="02040503050406030204" pitchFamily="18" charset="0"/>
+                          </a:rPr>
+                        </m:ctrlPr>
+                      </m:fPr>
+                      <m:num>
+                        <m:r>
+                          <a:rPr lang="en-US" b="0" i="1" smtClean="0">
+                            <a:latin typeface="Cambria Math" panose="02040503050406030204" pitchFamily="18" charset="0"/>
+                          </a:rPr>
+                          <m:t>𝑚</m:t>
+                        </m:r>
+                      </m:num>
+                      <m:den>
+                        <m:sSup>
+                          <m:sSupPr>
+                            <m:ctrlPr>
+                              <a:rPr lang="en-US" b="0" i="1" smtClean="0">
+                                <a:latin typeface="Cambria Math" panose="02040503050406030204" pitchFamily="18" charset="0"/>
+                              </a:rPr>
+                            </m:ctrlPr>
+                          </m:sSupPr>
+                          <m:e>
+                            <m:r>
+                              <a:rPr lang="en-US" b="0" i="1" smtClean="0">
+                                <a:latin typeface="Cambria Math" panose="02040503050406030204" pitchFamily="18" charset="0"/>
+                              </a:rPr>
+                              <m:t>𝑠</m:t>
+                            </m:r>
+                          </m:e>
+                          <m:sup>
+                            <m:r>
+                              <a:rPr lang="en-US" b="0" i="1" smtClean="0">
+                                <a:latin typeface="Cambria Math" panose="02040503050406030204" pitchFamily="18" charset="0"/>
+                              </a:rPr>
+                              <m:t>2</m:t>
+                            </m:r>
+                          </m:sup>
+                        </m:sSup>
+                      </m:den>
+                    </m:f>
+                  </m:oMath>
+                </a14:m>
+                <a:r>
+                  <a:rPr lang="en-US" dirty="0" smtClean="0"/>
+                  <a:t> and </a:t>
+                </a:r>
+                <a14:m>
+                  <m:oMath xmlns:m="http://schemas.openxmlformats.org/officeDocument/2006/math">
+                    <m:sSub>
+                      <m:sSubPr>
+                        <m:ctrlPr>
+                          <a:rPr lang="en-US" i="1">
+                            <a:latin typeface="Cambria Math" panose="02040503050406030204" pitchFamily="18" charset="0"/>
+                          </a:rPr>
+                        </m:ctrlPr>
+                      </m:sSubPr>
+                      <m:e>
+                        <m:r>
+                          <a:rPr lang="en-US" i="1">
+                            <a:latin typeface="Cambria Math" panose="02040503050406030204" pitchFamily="18" charset="0"/>
+                            <a:ea typeface="Cambria Math" panose="02040503050406030204" pitchFamily="18" charset="0"/>
+                          </a:rPr>
+                          <m:t>𝜇</m:t>
+                        </m:r>
+                      </m:e>
+                      <m:sub>
+                        <m:r>
+                          <a:rPr lang="en-US" i="1">
+                            <a:latin typeface="Cambria Math" panose="02040503050406030204" pitchFamily="18" charset="0"/>
+                          </a:rPr>
+                          <m:t>𝑘</m:t>
+                        </m:r>
+                      </m:sub>
+                    </m:sSub>
+                    <m:r>
+                      <a:rPr lang="en-US" i="1">
+                        <a:latin typeface="Cambria Math" panose="02040503050406030204" pitchFamily="18" charset="0"/>
+                      </a:rPr>
+                      <m:t>=0.05</m:t>
+                    </m:r>
+                  </m:oMath>
+                </a14:m>
+                <a:r>
+                  <a:rPr lang="en-US" dirty="0" smtClean="0"/>
+                  <a:t>.</a:t>
+                </a:r>
+                <a:endParaRPr lang="en-US" dirty="0"/>
+              </a:p>
+            </p:txBody>
+          </p:sp>
+        </mc:Choice>
+        <mc:Fallback>
+          <p:sp>
+            <p:nvSpPr>
+              <p:cNvPr id="3" name="Content Placeholder 2"/>
+              <p:cNvSpPr>
+                <a:spLocks noGrp="1" noRot="1" noChangeAspect="1" noMove="1" noResize="1" noEditPoints="1" noAdjustHandles="1" noChangeArrowheads="1" noChangeShapeType="1" noTextEdit="1"/>
+              </p:cNvSpPr>
+              <p:nvPr>
+                <p:ph idx="1"/>
+              </p:nvPr>
+            </p:nvSpPr>
+            <p:spPr>
+              <a:blipFill>
+                <a:blip r:embed="rId2"/>
+                <a:stretch>
+                  <a:fillRect l="-1043" t="-980" r="-812"/>
+                </a:stretch>
+              </a:blipFill>
+            </p:spPr>
+            <p:txBody>
+              <a:bodyPr/>
+              <a:lstStyle/>
+              <a:p>
+                <a:r>
+                  <a:rPr lang="en-US">
+                    <a:noFill/>
+                  </a:rPr>
+                  <a:t> </a:t>
+                </a:r>
+              </a:p>
+            </p:txBody>
+          </p:sp>
+        </mc:Fallback>
+      </mc:AlternateContent>
+    </p:spTree>
+    <p:extLst>
+      <p:ext uri="{BB962C8B-B14F-4D97-AF65-F5344CB8AC3E}">
+        <p14:creationId xmlns:p14="http://schemas.microsoft.com/office/powerpoint/2010/main" val="3138976502"/>
+      </p:ext>
+    </p:extLst>
+  </p:cSld>
+  <p:clrMapOvr>
+    <a:masterClrMapping/>
+  </p:clrMapOvr>
+  <p:timing>
+    <p:tnLst>
+      <p:par>
+        <p:cTn id="1" dur="indefinite" restart="never" nodeType="tmRoot"/>
+      </p:par>
+    </p:tnLst>
+  </p:timing>
+</p:sld>
+</file>
+
+<file path=ppt/slides/slide24.xml><?xml version="1.0" encoding="utf-8"?>
+<p:sld xmlns:a="http://schemas.openxmlformats.org/drawingml/2006/main" xmlns:r="http://schemas.openxmlformats.org/officeDocument/2006/relationships" xmlns:p="http://schemas.openxmlformats.org/presentationml/2006/main">
+  <p:cSld>
+    <p:spTree>
+      <p:nvGrpSpPr>
+        <p:cNvPr id="1" name=""/>
+        <p:cNvGrpSpPr/>
+        <p:nvPr/>
+      </p:nvGrpSpPr>
+      <p:grpSpPr>
+        <a:xfrm>
+          <a:off x="0" y="0"/>
+          <a:ext cx="0" cy="0"/>
+          <a:chOff x="0" y="0"/>
+          <a:chExt cx="0" cy="0"/>
+        </a:xfrm>
+      </p:grpSpPr>
+      <p:sp>
+        <p:nvSpPr>
+          <p:cNvPr id="2" name="Title 1"/>
+          <p:cNvSpPr>
+            <a:spLocks noGrp="1"/>
+          </p:cNvSpPr>
+          <p:nvPr>
+            <p:ph type="title"/>
+          </p:nvPr>
+        </p:nvSpPr>
+        <p:spPr/>
+        <p:txBody>
+          <a:bodyPr/>
+          <a:lstStyle/>
+          <a:p>
+            <a:r>
+              <a:rPr lang="en-US" dirty="0" smtClean="0"/>
+              <a:t>Problem 7.</a:t>
+            </a:r>
+            <a:br>
+              <a:rPr lang="en-US" dirty="0" smtClean="0"/>
+            </a:br>
+            <a:endParaRPr lang="en-US" dirty="0"/>
+          </a:p>
+        </p:txBody>
+      </p:sp>
+      <mc:AlternateContent xmlns:mc="http://schemas.openxmlformats.org/markup-compatibility/2006">
+        <mc:Choice xmlns:a14="http://schemas.microsoft.com/office/drawing/2010/main" Requires="a14">
+          <p:sp>
+            <p:nvSpPr>
+              <p:cNvPr id="3" name="Content Placeholder 2"/>
+              <p:cNvSpPr>
+                <a:spLocks noGrp="1"/>
+              </p:cNvSpPr>
+              <p:nvPr>
+                <p:ph idx="1"/>
+              </p:nvPr>
+            </p:nvSpPr>
+            <p:spPr/>
+            <p:txBody>
+              <a:bodyPr/>
+              <a:lstStyle/>
+              <a:p>
+                <a:r>
+                  <a:rPr lang="en-US" dirty="0" smtClean="0"/>
+                  <a:t>A 6 kg object moves with an initial speed of </a:t>
+                </a:r>
+                <a14:m>
+                  <m:oMath xmlns:m="http://schemas.openxmlformats.org/officeDocument/2006/math">
+                    <m:r>
+                      <a:rPr lang="en-US" i="1">
+                        <a:latin typeface="Cambria Math" panose="02040503050406030204" pitchFamily="18" charset="0"/>
+                      </a:rPr>
+                      <m:t>6</m:t>
+                    </m:r>
+                    <m:f>
+                      <m:fPr>
+                        <m:ctrlPr>
+                          <a:rPr lang="en-US" i="1">
+                            <a:latin typeface="Cambria Math" panose="02040503050406030204" pitchFamily="18" charset="0"/>
+                          </a:rPr>
+                        </m:ctrlPr>
+                      </m:fPr>
+                      <m:num>
+                        <m:r>
+                          <a:rPr lang="en-US" i="1">
+                            <a:latin typeface="Cambria Math" panose="02040503050406030204" pitchFamily="18" charset="0"/>
+                          </a:rPr>
+                          <m:t>𝑚</m:t>
+                        </m:r>
+                      </m:num>
+                      <m:den>
+                        <m:r>
+                          <a:rPr lang="en-US" i="1">
+                            <a:latin typeface="Cambria Math" panose="02040503050406030204" pitchFamily="18" charset="0"/>
+                          </a:rPr>
+                          <m:t>𝑠</m:t>
+                        </m:r>
+                      </m:den>
+                    </m:f>
+                  </m:oMath>
+                </a14:m>
+                <a:r>
+                  <a:rPr lang="en-US" dirty="0" smtClean="0"/>
+                  <a:t>. The applied force is 30 N (direction of it is same as the direction of the motion). The coefficient of kinetic friction is 0.2. </a:t>
+                </a:r>
+              </a:p>
+              <a:p>
+                <a:r>
+                  <a:rPr lang="en-US" dirty="0" smtClean="0"/>
+                  <a:t>Calculate the speed of the object in 2 s.</a:t>
+                </a:r>
+              </a:p>
+              <a:p>
+                <a:r>
+                  <a:rPr lang="en-US" dirty="0" smtClean="0"/>
+                  <a:t>Find the distance covered in 2 s.</a:t>
+                </a:r>
+                <a:endParaRPr lang="en-US" dirty="0"/>
+              </a:p>
+            </p:txBody>
+          </p:sp>
+        </mc:Choice>
+        <mc:Fallback>
+          <p:sp>
+            <p:nvSpPr>
+              <p:cNvPr id="3" name="Content Placeholder 2"/>
+              <p:cNvSpPr>
+                <a:spLocks noGrp="1" noRot="1" noChangeAspect="1" noMove="1" noResize="1" noEditPoints="1" noAdjustHandles="1" noChangeArrowheads="1" noChangeShapeType="1" noTextEdit="1"/>
+              </p:cNvSpPr>
+              <p:nvPr>
+                <p:ph idx="1"/>
+              </p:nvPr>
+            </p:nvSpPr>
+            <p:spPr>
+              <a:blipFill>
+                <a:blip r:embed="rId2"/>
+                <a:stretch>
+                  <a:fillRect l="-1043" t="-980"/>
+                </a:stretch>
+              </a:blipFill>
+            </p:spPr>
+            <p:txBody>
+              <a:bodyPr/>
+              <a:lstStyle/>
+              <a:p>
+                <a:r>
+                  <a:rPr lang="en-US">
+                    <a:noFill/>
+                  </a:rPr>
+                  <a:t> </a:t>
+                </a:r>
+              </a:p>
+            </p:txBody>
+          </p:sp>
+        </mc:Fallback>
+      </mc:AlternateContent>
+    </p:spTree>
+    <p:extLst>
+      <p:ext uri="{BB962C8B-B14F-4D97-AF65-F5344CB8AC3E}">
+        <p14:creationId xmlns:p14="http://schemas.microsoft.com/office/powerpoint/2010/main" val="1562988693"/>
+      </p:ext>
+    </p:extLst>
+  </p:cSld>
+  <p:clrMapOvr>
+    <a:masterClrMapping/>
+  </p:clrMapOvr>
+  <p:timing>
+    <p:tnLst>
+      <p:par>
+        <p:cTn id="1" dur="indefinite" restart="never" nodeType="tmRoot"/>
+      </p:par>
+    </p:tnLst>
+  </p:timing>
+</p:sld>
+</file>
+
+<file path=ppt/slides/slide25.xml><?xml version="1.0" encoding="utf-8"?>
+<p:sld xmlns:a="http://schemas.openxmlformats.org/drawingml/2006/main" xmlns:r="http://schemas.openxmlformats.org/officeDocument/2006/relationships" xmlns:p="http://schemas.openxmlformats.org/presentationml/2006/main">
+  <p:cSld>
+    <p:spTree>
+      <p:nvGrpSpPr>
+        <p:cNvPr id="1" name=""/>
+        <p:cNvGrpSpPr/>
+        <p:nvPr/>
+      </p:nvGrpSpPr>
+      <p:grpSpPr>
+        <a:xfrm>
+          <a:off x="0" y="0"/>
+          <a:ext cx="0" cy="0"/>
+          <a:chOff x="0" y="0"/>
+          <a:chExt cx="0" cy="0"/>
+        </a:xfrm>
+      </p:grpSpPr>
+      <p:sp>
+        <p:nvSpPr>
+          <p:cNvPr id="2" name="Title 1"/>
+          <p:cNvSpPr>
+            <a:spLocks noGrp="1"/>
+          </p:cNvSpPr>
+          <p:nvPr>
+            <p:ph type="title"/>
+          </p:nvPr>
+        </p:nvSpPr>
+        <p:spPr/>
+        <p:txBody>
+          <a:bodyPr/>
+          <a:lstStyle/>
+          <a:p>
+            <a:r>
+              <a:rPr lang="en-US" dirty="0" smtClean="0"/>
+              <a:t>Rolling friction</a:t>
+            </a:r>
+            <a:endParaRPr lang="en-US" dirty="0"/>
+          </a:p>
+        </p:txBody>
+      </p:sp>
+      <mc:AlternateContent xmlns:mc="http://schemas.openxmlformats.org/markup-compatibility/2006">
+        <mc:Choice xmlns:a14="http://schemas.microsoft.com/office/drawing/2010/main" Requires="a14">
+          <p:sp>
+            <p:nvSpPr>
+              <p:cNvPr id="3" name="Content Placeholder 2"/>
+              <p:cNvSpPr>
+                <a:spLocks noGrp="1"/>
+              </p:cNvSpPr>
+              <p:nvPr>
+                <p:ph sz="half" idx="1"/>
+              </p:nvPr>
+            </p:nvSpPr>
+            <p:spPr/>
+            <p:txBody>
+              <a:bodyPr/>
+              <a:lstStyle/>
+              <a:p>
+                <a14:m>
+                  <m:oMath xmlns:m="http://schemas.openxmlformats.org/officeDocument/2006/math">
+                    <m:sSub>
+                      <m:sSubPr>
+                        <m:ctrlPr>
+                          <a:rPr lang="en-US" i="1" smtClean="0">
+                            <a:latin typeface="Cambria Math" panose="02040503050406030204" pitchFamily="18" charset="0"/>
+                          </a:rPr>
+                        </m:ctrlPr>
+                      </m:sSubPr>
+                      <m:e>
+                        <m:r>
+                          <a:rPr lang="en-US" b="0" i="1" smtClean="0">
+                            <a:latin typeface="Cambria Math" panose="02040503050406030204" pitchFamily="18" charset="0"/>
+                          </a:rPr>
+                          <m:t>𝐹</m:t>
+                        </m:r>
+                      </m:e>
+                      <m:sub>
+                        <m:r>
+                          <a:rPr lang="en-US" b="0" i="1" smtClean="0">
+                            <a:latin typeface="Cambria Math" panose="02040503050406030204" pitchFamily="18" charset="0"/>
+                          </a:rPr>
+                          <m:t>𝑟</m:t>
+                        </m:r>
+                      </m:sub>
+                    </m:sSub>
+                    <m:r>
+                      <a:rPr lang="en-US" b="0" i="1" smtClean="0">
+                        <a:latin typeface="Cambria Math" panose="02040503050406030204" pitchFamily="18" charset="0"/>
+                      </a:rPr>
+                      <m:t>=</m:t>
+                    </m:r>
+                    <m:r>
+                      <a:rPr lang="en-US" b="0" i="1" smtClean="0">
+                        <a:latin typeface="Cambria Math" panose="02040503050406030204" pitchFamily="18" charset="0"/>
+                      </a:rPr>
+                      <m:t>𝑁</m:t>
+                    </m:r>
+                    <m:r>
+                      <a:rPr lang="en-US" b="0" i="1" smtClean="0">
+                        <a:latin typeface="Cambria Math" panose="02040503050406030204" pitchFamily="18" charset="0"/>
+                        <a:ea typeface="Cambria Math" panose="02040503050406030204" pitchFamily="18" charset="0"/>
+                      </a:rPr>
+                      <m:t>∙</m:t>
+                    </m:r>
+                    <m:sSub>
+                      <m:sSubPr>
+                        <m:ctrlPr>
+                          <a:rPr lang="en-US" b="0" i="1" smtClean="0">
+                            <a:latin typeface="Cambria Math" panose="02040503050406030204" pitchFamily="18" charset="0"/>
+                            <a:ea typeface="Cambria Math" panose="02040503050406030204" pitchFamily="18" charset="0"/>
+                          </a:rPr>
+                        </m:ctrlPr>
+                      </m:sSubPr>
+                      <m:e>
+                        <m:r>
+                          <a:rPr lang="en-US" b="0" i="1" smtClean="0">
+                            <a:latin typeface="Cambria Math" panose="02040503050406030204" pitchFamily="18" charset="0"/>
+                            <a:ea typeface="Cambria Math" panose="02040503050406030204" pitchFamily="18" charset="0"/>
+                          </a:rPr>
+                          <m:t>𝜇</m:t>
+                        </m:r>
+                      </m:e>
+                      <m:sub>
+                        <m:r>
+                          <a:rPr lang="en-US" b="0" i="1" smtClean="0">
+                            <a:latin typeface="Cambria Math" panose="02040503050406030204" pitchFamily="18" charset="0"/>
+                            <a:ea typeface="Cambria Math" panose="02040503050406030204" pitchFamily="18" charset="0"/>
+                          </a:rPr>
+                          <m:t>𝑅</m:t>
+                        </m:r>
+                      </m:sub>
+                    </m:sSub>
+                  </m:oMath>
+                </a14:m>
+                <a:endParaRPr lang="en-US" dirty="0" smtClean="0"/>
+              </a:p>
+              <a:p>
+                <a:r>
+                  <a:rPr lang="en-US" dirty="0" smtClean="0"/>
+                  <a:t>N: normal force</a:t>
+                </a:r>
+              </a:p>
+              <a:p>
+                <a14:m>
+                  <m:oMath xmlns:m="http://schemas.openxmlformats.org/officeDocument/2006/math">
+                    <m:sSub>
+                      <m:sSubPr>
+                        <m:ctrlPr>
+                          <a:rPr lang="en-US" i="1">
+                            <a:latin typeface="Cambria Math" panose="02040503050406030204" pitchFamily="18" charset="0"/>
+                            <a:ea typeface="Cambria Math" panose="02040503050406030204" pitchFamily="18" charset="0"/>
+                          </a:rPr>
+                        </m:ctrlPr>
+                      </m:sSubPr>
+                      <m:e>
+                        <m:r>
+                          <a:rPr lang="en-US" i="1">
+                            <a:latin typeface="Cambria Math" panose="02040503050406030204" pitchFamily="18" charset="0"/>
+                            <a:ea typeface="Cambria Math" panose="02040503050406030204" pitchFamily="18" charset="0"/>
+                          </a:rPr>
+                          <m:t>𝜇</m:t>
+                        </m:r>
+                      </m:e>
+                      <m:sub>
+                        <m:r>
+                          <a:rPr lang="en-US" i="1">
+                            <a:latin typeface="Cambria Math" panose="02040503050406030204" pitchFamily="18" charset="0"/>
+                            <a:ea typeface="Cambria Math" panose="02040503050406030204" pitchFamily="18" charset="0"/>
+                          </a:rPr>
+                          <m:t>𝑅</m:t>
+                        </m:r>
+                      </m:sub>
+                    </m:sSub>
+                  </m:oMath>
+                </a14:m>
+                <a:r>
+                  <a:rPr lang="en-US" dirty="0" smtClean="0"/>
+                  <a:t>: coefficient of rolling friction</a:t>
+                </a:r>
+              </a:p>
+              <a:p>
+                <a14:m>
+                  <m:oMath xmlns:m="http://schemas.openxmlformats.org/officeDocument/2006/math">
+                    <m:sSub>
+                      <m:sSubPr>
+                        <m:ctrlPr>
+                          <a:rPr lang="en-US" i="1">
+                            <a:latin typeface="Cambria Math" panose="02040503050406030204" pitchFamily="18" charset="0"/>
+                            <a:ea typeface="Cambria Math" panose="02040503050406030204" pitchFamily="18" charset="0"/>
+                          </a:rPr>
+                        </m:ctrlPr>
+                      </m:sSubPr>
+                      <m:e>
+                        <m:r>
+                          <a:rPr lang="en-US" i="1">
+                            <a:latin typeface="Cambria Math" panose="02040503050406030204" pitchFamily="18" charset="0"/>
+                            <a:ea typeface="Cambria Math" panose="02040503050406030204" pitchFamily="18" charset="0"/>
+                          </a:rPr>
+                          <m:t>𝜇</m:t>
+                        </m:r>
+                      </m:e>
+                      <m:sub>
+                        <m:r>
+                          <a:rPr lang="en-US" i="1">
+                            <a:latin typeface="Cambria Math" panose="02040503050406030204" pitchFamily="18" charset="0"/>
+                            <a:ea typeface="Cambria Math" panose="02040503050406030204" pitchFamily="18" charset="0"/>
+                          </a:rPr>
+                          <m:t>𝑅</m:t>
+                        </m:r>
+                      </m:sub>
+                    </m:sSub>
+                    <m:r>
+                      <a:rPr lang="en-US" i="1" smtClean="0">
+                        <a:latin typeface="Cambria Math" panose="02040503050406030204" pitchFamily="18" charset="0"/>
+                        <a:ea typeface="Cambria Math" panose="02040503050406030204" pitchFamily="18" charset="0"/>
+                      </a:rPr>
+                      <m:t>&lt;</m:t>
+                    </m:r>
+                    <m:sSub>
+                      <m:sSubPr>
+                        <m:ctrlPr>
+                          <a:rPr lang="en-US" i="1" smtClean="0">
+                            <a:latin typeface="Cambria Math" panose="02040503050406030204" pitchFamily="18" charset="0"/>
+                            <a:ea typeface="Cambria Math" panose="02040503050406030204" pitchFamily="18" charset="0"/>
+                          </a:rPr>
+                        </m:ctrlPr>
+                      </m:sSubPr>
+                      <m:e>
+                        <m:r>
+                          <a:rPr lang="en-US" i="1" smtClean="0">
+                            <a:latin typeface="Cambria Math" panose="02040503050406030204" pitchFamily="18" charset="0"/>
+                            <a:ea typeface="Cambria Math" panose="02040503050406030204" pitchFamily="18" charset="0"/>
+                          </a:rPr>
+                          <m:t>𝜇</m:t>
+                        </m:r>
+                      </m:e>
+                      <m:sub>
+                        <m:r>
+                          <a:rPr lang="en-US" b="0" i="1" smtClean="0">
+                            <a:latin typeface="Cambria Math" panose="02040503050406030204" pitchFamily="18" charset="0"/>
+                            <a:ea typeface="Cambria Math" panose="02040503050406030204" pitchFamily="18" charset="0"/>
+                          </a:rPr>
+                          <m:t>𝑘</m:t>
+                        </m:r>
+                      </m:sub>
+                    </m:sSub>
+                  </m:oMath>
+                </a14:m>
+                <a:endParaRPr lang="en-US" dirty="0"/>
+              </a:p>
+            </p:txBody>
+          </p:sp>
+        </mc:Choice>
+        <mc:Fallback>
+          <p:sp>
+            <p:nvSpPr>
+              <p:cNvPr id="3" name="Content Placeholder 2"/>
+              <p:cNvSpPr>
+                <a:spLocks noGrp="1" noRot="1" noChangeAspect="1" noMove="1" noResize="1" noEditPoints="1" noAdjustHandles="1" noChangeArrowheads="1" noChangeShapeType="1" noTextEdit="1"/>
+              </p:cNvSpPr>
+              <p:nvPr>
+                <p:ph sz="half" idx="1"/>
+              </p:nvPr>
+            </p:nvSpPr>
+            <p:spPr>
+              <a:blipFill>
+                <a:blip r:embed="rId2"/>
+                <a:stretch>
+                  <a:fillRect l="-2118"/>
+                </a:stretch>
+              </a:blipFill>
+            </p:spPr>
+            <p:txBody>
+              <a:bodyPr/>
+              <a:lstStyle/>
+              <a:p>
+                <a:r>
+                  <a:rPr lang="en-US">
+                    <a:noFill/>
+                  </a:rPr>
+                  <a:t> </a:t>
+                </a:r>
+              </a:p>
+            </p:txBody>
+          </p:sp>
+        </mc:Fallback>
+      </mc:AlternateContent>
+      <p:pic>
+        <p:nvPicPr>
+          <p:cNvPr id="12290" name="Picture 2" descr="Képtalálat a következőre: „rolling friction vs kinetic friction”"/>
+          <p:cNvPicPr>
+            <a:picLocks noGrp="1" noChangeAspect="1" noChangeArrowheads="1"/>
+          </p:cNvPicPr>
+          <p:nvPr>
+            <p:ph sz="half" idx="2"/>
+          </p:nvPr>
+        </p:nvPicPr>
+        <p:blipFill>
+          <a:blip r:embed="rId3">
+            <a:extLst>
+              <a:ext uri="{28A0092B-C50C-407E-A947-70E740481C1C}">
+                <a14:useLocalDpi xmlns:a14="http://schemas.microsoft.com/office/drawing/2010/main" val="0"/>
+              </a:ext>
+            </a:extLst>
+          </a:blip>
+          <a:srcRect/>
+          <a:stretch>
+            <a:fillRect/>
+          </a:stretch>
+        </p:blipFill>
+        <p:spPr bwMode="auto">
+          <a:xfrm>
+            <a:off x="6216740" y="4542122"/>
+            <a:ext cx="5154181" cy="1634841"/>
+          </a:xfrm>
+          <a:prstGeom prst="rect">
+            <a:avLst/>
+          </a:prstGeom>
+          <a:noFill/>
+          <a:extLst>
+            <a:ext uri="{909E8E84-426E-40DD-AFC4-6F175D3DCCD1}">
+              <a14:hiddenFill xmlns:a14="http://schemas.microsoft.com/office/drawing/2010/main">
+                <a:solidFill>
+                  <a:srgbClr val="FFFFFF"/>
+                </a:solidFill>
+              </a14:hiddenFill>
+            </a:ext>
+          </a:extLst>
+        </p:spPr>
+      </p:pic>
+      <p:pic>
+        <p:nvPicPr>
+          <p:cNvPr id="12292" name="Picture 4" descr="Example of sliding friction"/>
+          <p:cNvPicPr>
+            <a:picLocks noChangeAspect="1" noChangeArrowheads="1"/>
+          </p:cNvPicPr>
+          <p:nvPr/>
+        </p:nvPicPr>
+        <p:blipFill>
+          <a:blip r:embed="rId4">
+            <a:extLst>
+              <a:ext uri="{28A0092B-C50C-407E-A947-70E740481C1C}">
+                <a14:useLocalDpi xmlns:a14="http://schemas.microsoft.com/office/drawing/2010/main" val="0"/>
+              </a:ext>
+            </a:extLst>
+          </a:blip>
+          <a:srcRect/>
+          <a:stretch>
+            <a:fillRect/>
+          </a:stretch>
+        </p:blipFill>
+        <p:spPr bwMode="auto">
+          <a:xfrm>
+            <a:off x="6216740" y="907302"/>
+            <a:ext cx="3181350" cy="1247775"/>
+          </a:xfrm>
+          <a:prstGeom prst="rect">
+            <a:avLst/>
+          </a:prstGeom>
+          <a:noFill/>
+          <a:extLst>
+            <a:ext uri="{909E8E84-426E-40DD-AFC4-6F175D3DCCD1}">
+              <a14:hiddenFill xmlns:a14="http://schemas.microsoft.com/office/drawing/2010/main">
+                <a:solidFill>
+                  <a:srgbClr val="FFFFFF"/>
+                </a:solidFill>
+              </a14:hiddenFill>
+            </a:ext>
+          </a:extLst>
+        </p:spPr>
+      </p:pic>
+      <p:pic>
+        <p:nvPicPr>
+          <p:cNvPr id="12294" name="Picture 6" descr="Rollers reduce friction when moving granite block"/>
+          <p:cNvPicPr>
+            <a:picLocks noChangeAspect="1" noChangeArrowheads="1"/>
+          </p:cNvPicPr>
+          <p:nvPr/>
+        </p:nvPicPr>
+        <p:blipFill>
+          <a:blip r:embed="rId5">
+            <a:extLst>
+              <a:ext uri="{28A0092B-C50C-407E-A947-70E740481C1C}">
+                <a14:useLocalDpi xmlns:a14="http://schemas.microsoft.com/office/drawing/2010/main" val="0"/>
+              </a:ext>
+            </a:extLst>
+          </a:blip>
+          <a:srcRect/>
+          <a:stretch>
+            <a:fillRect/>
+          </a:stretch>
+        </p:blipFill>
+        <p:spPr bwMode="auto">
+          <a:xfrm>
+            <a:off x="8489678" y="2648744"/>
+            <a:ext cx="3000375" cy="1352550"/>
+          </a:xfrm>
+          <a:prstGeom prst="rect">
+            <a:avLst/>
+          </a:prstGeom>
+          <a:noFill/>
+          <a:extLst>
+            <a:ext uri="{909E8E84-426E-40DD-AFC4-6F175D3DCCD1}">
+              <a14:hiddenFill xmlns:a14="http://schemas.microsoft.com/office/drawing/2010/main">
+                <a:solidFill>
+                  <a:srgbClr val="FFFFFF"/>
+                </a:solidFill>
+              </a14:hiddenFill>
+            </a:ext>
+          </a:extLst>
+        </p:spPr>
+      </p:pic>
+      <p:sp>
+        <p:nvSpPr>
+          <p:cNvPr id="6" name="AutoShape 12" descr="Képtalálat a következőre: „wheel”"/>
+          <p:cNvSpPr>
+            <a:spLocks noChangeAspect="1" noChangeArrowheads="1"/>
+          </p:cNvSpPr>
+          <p:nvPr/>
+        </p:nvSpPr>
+        <p:spPr bwMode="auto">
+          <a:xfrm>
+            <a:off x="-6565885" y="228790"/>
+            <a:ext cx="77075" cy="77075"/>
+          </a:xfrm>
+          <a:prstGeom prst="rect">
+            <a:avLst/>
+          </a:prstGeom>
+          <a:noFill/>
+          <a:extLst>
+            <a:ext uri="{909E8E84-426E-40DD-AFC4-6F175D3DCCD1}">
+              <a14:hiddenFill xmlns:a14="http://schemas.microsoft.com/office/drawing/2010/main">
+                <a:solidFill>
+                  <a:srgbClr val="FFFFFF"/>
+                </a:solidFill>
+              </a14:hiddenFill>
+            </a:ext>
+          </a:extLst>
+        </p:spPr>
+        <p:txBody>
+          <a:bodyPr vert="horz" wrap="square" lIns="91440" tIns="45720" rIns="91440" bIns="45720" numCol="1" anchor="t" anchorCtr="0" compatLnSpc="1">
+            <a:prstTxWarp prst="textNoShape">
+              <a:avLst/>
+            </a:prstTxWarp>
+          </a:bodyPr>
+          <a:lstStyle/>
+          <a:p>
+            <a:endParaRPr lang="en-US"/>
+          </a:p>
+        </p:txBody>
+      </p:sp>
+    </p:spTree>
+    <p:extLst>
+      <p:ext uri="{BB962C8B-B14F-4D97-AF65-F5344CB8AC3E}">
+        <p14:creationId xmlns:p14="http://schemas.microsoft.com/office/powerpoint/2010/main" val="1297369209"/>
+      </p:ext>
+    </p:extLst>
+  </p:cSld>
+  <p:clrMapOvr>
+    <a:masterClrMapping/>
+  </p:clrMapOvr>
+  <p:timing>
+    <p:tnLst>
+      <p:par>
+        <p:cTn id="1" dur="indefinite" restart="never" nodeType="tmRoot">
+          <p:childTnLst>
+            <p:seq concurrent="1" nextAc="seek">
+              <p:cTn id="2" dur="indefinite" nodeType="mainSeq">
+                <p:childTnLst>
+                  <p:par>
+                    <p:cTn id="3" fill="hold">
+                      <p:stCondLst>
+                        <p:cond delay="indefinite"/>
+                      </p:stCondLst>
+                      <p:childTnLst>
+                        <p:par>
+                          <p:cTn id="4" fill="hold">
+                            <p:stCondLst>
+                              <p:cond delay="0"/>
+                            </p:stCondLst>
+                            <p:childTnLst>
+                              <p:par>
+                                <p:cTn id="5" presetID="42" presetClass="entr" presetSubtype="0" fill="hold" nodeType="clickEffect">
+                                  <p:stCondLst>
+                                    <p:cond delay="0"/>
+                                  </p:stCondLst>
+                                  <p:childTnLst>
+                                    <p:set>
+                                      <p:cBhvr>
+                                        <p:cTn id="6" dur="1" fill="hold">
+                                          <p:stCondLst>
+                                            <p:cond delay="0"/>
+                                          </p:stCondLst>
+                                        </p:cTn>
+                                        <p:tgtEl>
+                                          <p:spTgt spid="3">
+                                            <p:txEl>
+                                              <p:pRg st="0" end="0"/>
+                                            </p:txEl>
+                                          </p:spTgt>
+                                        </p:tgtEl>
+                                        <p:attrNameLst>
+                                          <p:attrName>style.visibility</p:attrName>
+                                        </p:attrNameLst>
+                                      </p:cBhvr>
+                                      <p:to>
+                                        <p:strVal val="visible"/>
+                                      </p:to>
+                                    </p:set>
+                                    <p:animEffect transition="in" filter="fade">
+                                      <p:cBhvr>
+                                        <p:cTn id="7" dur="1000"/>
+                                        <p:tgtEl>
+                                          <p:spTgt spid="3">
+                                            <p:txEl>
+                                              <p:pRg st="0" end="0"/>
+                                            </p:txEl>
+                                          </p:spTgt>
+                                        </p:tgtEl>
+                                      </p:cBhvr>
+                                    </p:animEffect>
+                                    <p:anim calcmode="lin" valueType="num">
+                                      <p:cBhvr>
+                                        <p:cTn id="8" dur="1000" fill="hold"/>
+                                        <p:tgtEl>
+                                          <p:spTgt spid="3">
+                                            <p:txEl>
+                                              <p:pRg st="0" end="0"/>
+                                            </p:txEl>
+                                          </p:spTgt>
+                                        </p:tgtEl>
+                                        <p:attrNameLst>
+                                          <p:attrName>ppt_x</p:attrName>
+                                        </p:attrNameLst>
+                                      </p:cBhvr>
+                                      <p:tavLst>
+                                        <p:tav tm="0">
+                                          <p:val>
+                                            <p:strVal val="#ppt_x"/>
+                                          </p:val>
+                                        </p:tav>
+                                        <p:tav tm="100000">
+                                          <p:val>
+                                            <p:strVal val="#ppt_x"/>
+                                          </p:val>
+                                        </p:tav>
+                                      </p:tavLst>
+                                    </p:anim>
+                                    <p:anim calcmode="lin" valueType="num">
+                                      <p:cBhvr>
+                                        <p:cTn id="9" dur="1000" fill="hold"/>
+                                        <p:tgtEl>
+                                          <p:spTgt spid="3">
+                                            <p:txEl>
+                                              <p:pRg st="0" end="0"/>
+                                            </p:txEl>
+                                          </p:spTgt>
+                                        </p:tgtEl>
+                                        <p:attrNameLst>
+                                          <p:attrName>ppt_y</p:attrName>
+                                        </p:attrNameLst>
+                                      </p:cBhvr>
+                                      <p:tavLst>
+                                        <p:tav tm="0">
+                                          <p:val>
+                                            <p:strVal val="#ppt_y+.1"/>
+                                          </p:val>
+                                        </p:tav>
+                                        <p:tav tm="100000">
+                                          <p:val>
+                                            <p:strVal val="#ppt_y"/>
+                                          </p:val>
+                                        </p:tav>
+                                      </p:tavLst>
+                                    </p:anim>
+                                  </p:childTnLst>
+                                </p:cTn>
+                              </p:par>
+                            </p:childTnLst>
+                          </p:cTn>
+                        </p:par>
+                      </p:childTnLst>
+                    </p:cTn>
+                  </p:par>
+                  <p:par>
+                    <p:cTn id="10" fill="hold">
+                      <p:stCondLst>
+                        <p:cond delay="indefinite"/>
+                      </p:stCondLst>
+                      <p:childTnLst>
+                        <p:par>
+                          <p:cTn id="11" fill="hold">
+                            <p:stCondLst>
+                              <p:cond delay="0"/>
+                            </p:stCondLst>
+                            <p:childTnLst>
+                              <p:par>
+                                <p:cTn id="12" presetID="42" presetClass="entr" presetSubtype="0" fill="hold" nodeType="clickEffect">
+                                  <p:stCondLst>
+                                    <p:cond delay="0"/>
+                                  </p:stCondLst>
+                                  <p:childTnLst>
+                                    <p:set>
+                                      <p:cBhvr>
+                                        <p:cTn id="13" dur="1" fill="hold">
+                                          <p:stCondLst>
+                                            <p:cond delay="0"/>
+                                          </p:stCondLst>
+                                        </p:cTn>
+                                        <p:tgtEl>
+                                          <p:spTgt spid="3">
+                                            <p:txEl>
+                                              <p:pRg st="1" end="1"/>
+                                            </p:txEl>
+                                          </p:spTgt>
+                                        </p:tgtEl>
+                                        <p:attrNameLst>
+                                          <p:attrName>style.visibility</p:attrName>
+                                        </p:attrNameLst>
+                                      </p:cBhvr>
+                                      <p:to>
+                                        <p:strVal val="visible"/>
+                                      </p:to>
+                                    </p:set>
+                                    <p:animEffect transition="in" filter="fade">
+                                      <p:cBhvr>
+                                        <p:cTn id="14" dur="1000"/>
+                                        <p:tgtEl>
+                                          <p:spTgt spid="3">
+                                            <p:txEl>
+                                              <p:pRg st="1" end="1"/>
+                                            </p:txEl>
+                                          </p:spTgt>
+                                        </p:tgtEl>
+                                      </p:cBhvr>
+                                    </p:animEffect>
+                                    <p:anim calcmode="lin" valueType="num">
+                                      <p:cBhvr>
+                                        <p:cTn id="15" dur="1000" fill="hold"/>
+                                        <p:tgtEl>
+                                          <p:spTgt spid="3">
+                                            <p:txEl>
+                                              <p:pRg st="1" end="1"/>
+                                            </p:txEl>
+                                          </p:spTgt>
+                                        </p:tgtEl>
+                                        <p:attrNameLst>
+                                          <p:attrName>ppt_x</p:attrName>
+                                        </p:attrNameLst>
+                                      </p:cBhvr>
+                                      <p:tavLst>
+                                        <p:tav tm="0">
+                                          <p:val>
+                                            <p:strVal val="#ppt_x"/>
+                                          </p:val>
+                                        </p:tav>
+                                        <p:tav tm="100000">
+                                          <p:val>
+                                            <p:strVal val="#ppt_x"/>
+                                          </p:val>
+                                        </p:tav>
+                                      </p:tavLst>
+                                    </p:anim>
+                                    <p:anim calcmode="lin" valueType="num">
+                                      <p:cBhvr>
+                                        <p:cTn id="16" dur="1000" fill="hold"/>
+                                        <p:tgtEl>
+                                          <p:spTgt spid="3">
+                                            <p:txEl>
+                                              <p:pRg st="1" end="1"/>
+                                            </p:txEl>
+                                          </p:spTgt>
+                                        </p:tgtEl>
+                                        <p:attrNameLst>
+                                          <p:attrName>ppt_y</p:attrName>
+                                        </p:attrNameLst>
+                                      </p:cBhvr>
+                                      <p:tavLst>
+                                        <p:tav tm="0">
+                                          <p:val>
+                                            <p:strVal val="#ppt_y+.1"/>
+                                          </p:val>
+                                        </p:tav>
+                                        <p:tav tm="100000">
+                                          <p:val>
+                                            <p:strVal val="#ppt_y"/>
+                                          </p:val>
+                                        </p:tav>
+                                      </p:tavLst>
+                                    </p:anim>
+                                  </p:childTnLst>
+                                </p:cTn>
+                              </p:par>
+                            </p:childTnLst>
+                          </p:cTn>
+                        </p:par>
+                      </p:childTnLst>
+                    </p:cTn>
+                  </p:par>
+                  <p:par>
+                    <p:cTn id="17" fill="hold">
+                      <p:stCondLst>
+                        <p:cond delay="indefinite"/>
+                      </p:stCondLst>
+                      <p:childTnLst>
+                        <p:par>
+                          <p:cTn id="18" fill="hold">
+                            <p:stCondLst>
+                              <p:cond delay="0"/>
+                            </p:stCondLst>
+                            <p:childTnLst>
+                              <p:par>
+                                <p:cTn id="19" presetID="42" presetClass="entr" presetSubtype="0" fill="hold" nodeType="clickEffect">
+                                  <p:stCondLst>
+                                    <p:cond delay="0"/>
+                                  </p:stCondLst>
+                                  <p:childTnLst>
+                                    <p:set>
+                                      <p:cBhvr>
+                                        <p:cTn id="20" dur="1" fill="hold">
+                                          <p:stCondLst>
+                                            <p:cond delay="0"/>
+                                          </p:stCondLst>
+                                        </p:cTn>
+                                        <p:tgtEl>
+                                          <p:spTgt spid="3">
+                                            <p:txEl>
+                                              <p:pRg st="2" end="2"/>
+                                            </p:txEl>
+                                          </p:spTgt>
+                                        </p:tgtEl>
+                                        <p:attrNameLst>
+                                          <p:attrName>style.visibility</p:attrName>
+                                        </p:attrNameLst>
+                                      </p:cBhvr>
+                                      <p:to>
+                                        <p:strVal val="visible"/>
+                                      </p:to>
+                                    </p:set>
+                                    <p:animEffect transition="in" filter="fade">
+                                      <p:cBhvr>
+                                        <p:cTn id="21" dur="1000"/>
+                                        <p:tgtEl>
+                                          <p:spTgt spid="3">
+                                            <p:txEl>
+                                              <p:pRg st="2" end="2"/>
+                                            </p:txEl>
+                                          </p:spTgt>
+                                        </p:tgtEl>
+                                      </p:cBhvr>
+                                    </p:animEffect>
+                                    <p:anim calcmode="lin" valueType="num">
+                                      <p:cBhvr>
+                                        <p:cTn id="22" dur="1000" fill="hold"/>
+                                        <p:tgtEl>
+                                          <p:spTgt spid="3">
+                                            <p:txEl>
+                                              <p:pRg st="2" end="2"/>
+                                            </p:txEl>
+                                          </p:spTgt>
+                                        </p:tgtEl>
+                                        <p:attrNameLst>
+                                          <p:attrName>ppt_x</p:attrName>
+                                        </p:attrNameLst>
+                                      </p:cBhvr>
+                                      <p:tavLst>
+                                        <p:tav tm="0">
+                                          <p:val>
+                                            <p:strVal val="#ppt_x"/>
+                                          </p:val>
+                                        </p:tav>
+                                        <p:tav tm="100000">
+                                          <p:val>
+                                            <p:strVal val="#ppt_x"/>
+                                          </p:val>
+                                        </p:tav>
+                                      </p:tavLst>
+                                    </p:anim>
+                                    <p:anim calcmode="lin" valueType="num">
+                                      <p:cBhvr>
+                                        <p:cTn id="23" dur="1000" fill="hold"/>
+                                        <p:tgtEl>
+                                          <p:spTgt spid="3">
+                                            <p:txEl>
+                                              <p:pRg st="2" end="2"/>
+                                            </p:txEl>
+                                          </p:spTgt>
+                                        </p:tgtEl>
+                                        <p:attrNameLst>
+                                          <p:attrName>ppt_y</p:attrName>
+                                        </p:attrNameLst>
+                                      </p:cBhvr>
+                                      <p:tavLst>
+                                        <p:tav tm="0">
+                                          <p:val>
+                                            <p:strVal val="#ppt_y+.1"/>
+                                          </p:val>
+                                        </p:tav>
+                                        <p:tav tm="100000">
+                                          <p:val>
+                                            <p:strVal val="#ppt_y"/>
+                                          </p:val>
+                                        </p:tav>
+                                      </p:tavLst>
+                                    </p:anim>
+                                  </p:childTnLst>
+                                </p:cTn>
+                              </p:par>
+                            </p:childTnLst>
+                          </p:cTn>
+                        </p:par>
+                      </p:childTnLst>
+                    </p:cTn>
+                  </p:par>
+                  <p:par>
+                    <p:cTn id="24" fill="hold">
+                      <p:stCondLst>
+                        <p:cond delay="indefinite"/>
+                      </p:stCondLst>
+                      <p:childTnLst>
+                        <p:par>
+                          <p:cTn id="25" fill="hold">
+                            <p:stCondLst>
+                              <p:cond delay="0"/>
+                            </p:stCondLst>
+                            <p:childTnLst>
+                              <p:par>
+                                <p:cTn id="26" presetID="42" presetClass="entr" presetSubtype="0" fill="hold" nodeType="clickEffect">
+                                  <p:stCondLst>
+                                    <p:cond delay="0"/>
+                                  </p:stCondLst>
+                                  <p:childTnLst>
+                                    <p:set>
+                                      <p:cBhvr>
+                                        <p:cTn id="27" dur="1" fill="hold">
+                                          <p:stCondLst>
+                                            <p:cond delay="0"/>
+                                          </p:stCondLst>
+                                        </p:cTn>
+                                        <p:tgtEl>
+                                          <p:spTgt spid="12292"/>
+                                        </p:tgtEl>
+                                        <p:attrNameLst>
+                                          <p:attrName>style.visibility</p:attrName>
+                                        </p:attrNameLst>
+                                      </p:cBhvr>
+                                      <p:to>
+                                        <p:strVal val="visible"/>
+                                      </p:to>
+                                    </p:set>
+                                    <p:animEffect transition="in" filter="fade">
+                                      <p:cBhvr>
+                                        <p:cTn id="28" dur="1000"/>
+                                        <p:tgtEl>
+                                          <p:spTgt spid="12292"/>
+                                        </p:tgtEl>
+                                      </p:cBhvr>
+                                    </p:animEffect>
+                                    <p:anim calcmode="lin" valueType="num">
+                                      <p:cBhvr>
+                                        <p:cTn id="29" dur="1000" fill="hold"/>
+                                        <p:tgtEl>
+                                          <p:spTgt spid="12292"/>
+                                        </p:tgtEl>
+                                        <p:attrNameLst>
+                                          <p:attrName>ppt_x</p:attrName>
+                                        </p:attrNameLst>
+                                      </p:cBhvr>
+                                      <p:tavLst>
+                                        <p:tav tm="0">
+                                          <p:val>
+                                            <p:strVal val="#ppt_x"/>
+                                          </p:val>
+                                        </p:tav>
+                                        <p:tav tm="100000">
+                                          <p:val>
+                                            <p:strVal val="#ppt_x"/>
+                                          </p:val>
+                                        </p:tav>
+                                      </p:tavLst>
+                                    </p:anim>
+                                    <p:anim calcmode="lin" valueType="num">
+                                      <p:cBhvr>
+                                        <p:cTn id="30" dur="1000" fill="hold"/>
+                                        <p:tgtEl>
+                                          <p:spTgt spid="12292"/>
+                                        </p:tgtEl>
+                                        <p:attrNameLst>
+                                          <p:attrName>ppt_y</p:attrName>
+                                        </p:attrNameLst>
+                                      </p:cBhvr>
+                                      <p:tavLst>
+                                        <p:tav tm="0">
+                                          <p:val>
+                                            <p:strVal val="#ppt_y+.1"/>
+                                          </p:val>
+                                        </p:tav>
+                                        <p:tav tm="100000">
+                                          <p:val>
+                                            <p:strVal val="#ppt_y"/>
+                                          </p:val>
+                                        </p:tav>
+                                      </p:tavLst>
+                                    </p:anim>
+                                  </p:childTnLst>
+                                </p:cTn>
+                              </p:par>
+                            </p:childTnLst>
+                          </p:cTn>
+                        </p:par>
+                      </p:childTnLst>
+                    </p:cTn>
+                  </p:par>
+                  <p:par>
+                    <p:cTn id="31" fill="hold">
+                      <p:stCondLst>
+                        <p:cond delay="indefinite"/>
+                      </p:stCondLst>
+                      <p:childTnLst>
+                        <p:par>
+                          <p:cTn id="32" fill="hold">
+                            <p:stCondLst>
+                              <p:cond delay="0"/>
+                            </p:stCondLst>
+                            <p:childTnLst>
+                              <p:par>
+                                <p:cTn id="33" presetID="42" presetClass="entr" presetSubtype="0" fill="hold" nodeType="clickEffect">
+                                  <p:stCondLst>
+                                    <p:cond delay="0"/>
+                                  </p:stCondLst>
+                                  <p:childTnLst>
+                                    <p:set>
+                                      <p:cBhvr>
+                                        <p:cTn id="34" dur="1" fill="hold">
+                                          <p:stCondLst>
+                                            <p:cond delay="0"/>
+                                          </p:stCondLst>
+                                        </p:cTn>
+                                        <p:tgtEl>
+                                          <p:spTgt spid="12294"/>
+                                        </p:tgtEl>
+                                        <p:attrNameLst>
+                                          <p:attrName>style.visibility</p:attrName>
+                                        </p:attrNameLst>
+                                      </p:cBhvr>
+                                      <p:to>
+                                        <p:strVal val="visible"/>
+                                      </p:to>
+                                    </p:set>
+                                    <p:animEffect transition="in" filter="fade">
+                                      <p:cBhvr>
+                                        <p:cTn id="35" dur="1000"/>
+                                        <p:tgtEl>
+                                          <p:spTgt spid="12294"/>
+                                        </p:tgtEl>
+                                      </p:cBhvr>
+                                    </p:animEffect>
+                                    <p:anim calcmode="lin" valueType="num">
+                                      <p:cBhvr>
+                                        <p:cTn id="36" dur="1000" fill="hold"/>
+                                        <p:tgtEl>
+                                          <p:spTgt spid="12294"/>
+                                        </p:tgtEl>
+                                        <p:attrNameLst>
+                                          <p:attrName>ppt_x</p:attrName>
+                                        </p:attrNameLst>
+                                      </p:cBhvr>
+                                      <p:tavLst>
+                                        <p:tav tm="0">
+                                          <p:val>
+                                            <p:strVal val="#ppt_x"/>
+                                          </p:val>
+                                        </p:tav>
+                                        <p:tav tm="100000">
+                                          <p:val>
+                                            <p:strVal val="#ppt_x"/>
+                                          </p:val>
+                                        </p:tav>
+                                      </p:tavLst>
+                                    </p:anim>
+                                    <p:anim calcmode="lin" valueType="num">
+                                      <p:cBhvr>
+                                        <p:cTn id="37" dur="1000" fill="hold"/>
+                                        <p:tgtEl>
+                                          <p:spTgt spid="12294"/>
+                                        </p:tgtEl>
+                                        <p:attrNameLst>
+                                          <p:attrName>ppt_y</p:attrName>
+                                        </p:attrNameLst>
+                                      </p:cBhvr>
+                                      <p:tavLst>
+                                        <p:tav tm="0">
+                                          <p:val>
+                                            <p:strVal val="#ppt_y+.1"/>
+                                          </p:val>
+                                        </p:tav>
+                                        <p:tav tm="100000">
+                                          <p:val>
+                                            <p:strVal val="#ppt_y"/>
+                                          </p:val>
+                                        </p:tav>
+                                      </p:tavLst>
+                                    </p:anim>
+                                  </p:childTnLst>
+                                </p:cTn>
+                              </p:par>
+                            </p:childTnLst>
+                          </p:cTn>
+                        </p:par>
+                      </p:childTnLst>
+                    </p:cTn>
+                  </p:par>
+                  <p:par>
+                    <p:cTn id="38" fill="hold">
+                      <p:stCondLst>
+                        <p:cond delay="indefinite"/>
+                      </p:stCondLst>
+                      <p:childTnLst>
+                        <p:par>
+                          <p:cTn id="39" fill="hold">
+                            <p:stCondLst>
+                              <p:cond delay="0"/>
+                            </p:stCondLst>
+                            <p:childTnLst>
+                              <p:par>
+                                <p:cTn id="40" presetID="42" presetClass="entr" presetSubtype="0" fill="hold" nodeType="clickEffect">
+                                  <p:stCondLst>
+                                    <p:cond delay="0"/>
+                                  </p:stCondLst>
+                                  <p:childTnLst>
+                                    <p:set>
+                                      <p:cBhvr>
+                                        <p:cTn id="41" dur="1" fill="hold">
+                                          <p:stCondLst>
+                                            <p:cond delay="0"/>
+                                          </p:stCondLst>
+                                        </p:cTn>
+                                        <p:tgtEl>
+                                          <p:spTgt spid="12290"/>
+                                        </p:tgtEl>
+                                        <p:attrNameLst>
+                                          <p:attrName>style.visibility</p:attrName>
+                                        </p:attrNameLst>
+                                      </p:cBhvr>
+                                      <p:to>
+                                        <p:strVal val="visible"/>
+                                      </p:to>
+                                    </p:set>
+                                    <p:animEffect transition="in" filter="fade">
+                                      <p:cBhvr>
+                                        <p:cTn id="42" dur="1000"/>
+                                        <p:tgtEl>
+                                          <p:spTgt spid="12290"/>
+                                        </p:tgtEl>
+                                      </p:cBhvr>
+                                    </p:animEffect>
+                                    <p:anim calcmode="lin" valueType="num">
+                                      <p:cBhvr>
+                                        <p:cTn id="43" dur="1000" fill="hold"/>
+                                        <p:tgtEl>
+                                          <p:spTgt spid="12290"/>
+                                        </p:tgtEl>
+                                        <p:attrNameLst>
+                                          <p:attrName>ppt_x</p:attrName>
+                                        </p:attrNameLst>
+                                      </p:cBhvr>
+                                      <p:tavLst>
+                                        <p:tav tm="0">
+                                          <p:val>
+                                            <p:strVal val="#ppt_x"/>
+                                          </p:val>
+                                        </p:tav>
+                                        <p:tav tm="100000">
+                                          <p:val>
+                                            <p:strVal val="#ppt_x"/>
+                                          </p:val>
+                                        </p:tav>
+                                      </p:tavLst>
+                                    </p:anim>
+                                    <p:anim calcmode="lin" valueType="num">
+                                      <p:cBhvr>
+                                        <p:cTn id="44" dur="1000" fill="hold"/>
+                                        <p:tgtEl>
+                                          <p:spTgt spid="12290"/>
+                                        </p:tgtEl>
+                                        <p:attrNameLst>
+                                          <p:attrName>ppt_y</p:attrName>
+                                        </p:attrNameLst>
+                                      </p:cBhvr>
+                                      <p:tavLst>
+                                        <p:tav tm="0">
+                                          <p:val>
+                                            <p:strVal val="#ppt_y+.1"/>
+                                          </p:val>
+                                        </p:tav>
+                                        <p:tav tm="100000">
+                                          <p:val>
+                                            <p:strVal val="#ppt_y"/>
+                                          </p:val>
+                                        </p:tav>
+                                      </p:tavLst>
+                                    </p:anim>
+                                  </p:childTnLst>
+                                </p:cTn>
+                              </p:par>
+                            </p:childTnLst>
+                          </p:cTn>
+                        </p:par>
+                      </p:childTnLst>
+                    </p:cTn>
+                  </p:par>
+                  <p:par>
+                    <p:cTn id="45" fill="hold">
+                      <p:stCondLst>
+                        <p:cond delay="indefinite"/>
+                      </p:stCondLst>
+                      <p:childTnLst>
+                        <p:par>
+                          <p:cTn id="46" fill="hold">
+                            <p:stCondLst>
+                              <p:cond delay="0"/>
+                            </p:stCondLst>
+                            <p:childTnLst>
+                              <p:par>
+                                <p:cTn id="47" presetID="42" presetClass="entr" presetSubtype="0" fill="hold" nodeType="clickEffect">
+                                  <p:stCondLst>
+                                    <p:cond delay="0"/>
+                                  </p:stCondLst>
+                                  <p:childTnLst>
+                                    <p:set>
+                                      <p:cBhvr>
+                                        <p:cTn id="48" dur="1" fill="hold">
+                                          <p:stCondLst>
+                                            <p:cond delay="0"/>
+                                          </p:stCondLst>
+                                        </p:cTn>
+                                        <p:tgtEl>
+                                          <p:spTgt spid="3">
+                                            <p:txEl>
+                                              <p:pRg st="3" end="3"/>
+                                            </p:txEl>
+                                          </p:spTgt>
+                                        </p:tgtEl>
+                                        <p:attrNameLst>
+                                          <p:attrName>style.visibility</p:attrName>
+                                        </p:attrNameLst>
+                                      </p:cBhvr>
+                                      <p:to>
+                                        <p:strVal val="visible"/>
+                                      </p:to>
+                                    </p:set>
+                                    <p:animEffect transition="in" filter="fade">
+                                      <p:cBhvr>
+                                        <p:cTn id="49" dur="1000"/>
+                                        <p:tgtEl>
+                                          <p:spTgt spid="3">
+                                            <p:txEl>
+                                              <p:pRg st="3" end="3"/>
+                                            </p:txEl>
+                                          </p:spTgt>
+                                        </p:tgtEl>
+                                      </p:cBhvr>
+                                    </p:animEffect>
+                                    <p:anim calcmode="lin" valueType="num">
+                                      <p:cBhvr>
+                                        <p:cTn id="50" dur="1000" fill="hold"/>
+                                        <p:tgtEl>
+                                          <p:spTgt spid="3">
+                                            <p:txEl>
+                                              <p:pRg st="3" end="3"/>
+                                            </p:txEl>
+                                          </p:spTgt>
+                                        </p:tgtEl>
+                                        <p:attrNameLst>
+                                          <p:attrName>ppt_x</p:attrName>
+                                        </p:attrNameLst>
+                                      </p:cBhvr>
+                                      <p:tavLst>
+                                        <p:tav tm="0">
+                                          <p:val>
+                                            <p:strVal val="#ppt_x"/>
+                                          </p:val>
+                                        </p:tav>
+                                        <p:tav tm="100000">
+                                          <p:val>
+                                            <p:strVal val="#ppt_x"/>
+                                          </p:val>
+                                        </p:tav>
+                                      </p:tavLst>
+                                    </p:anim>
+                                    <p:anim calcmode="lin" valueType="num">
+                                      <p:cBhvr>
+                                        <p:cTn id="51" dur="1000" fill="hold"/>
+                                        <p:tgtEl>
+                                          <p:spTgt spid="3">
+                                            <p:txEl>
+                                              <p:pRg st="3" end="3"/>
+                                            </p:txEl>
+                                          </p:spTgt>
+                                        </p:tgtEl>
+                                        <p:attrNameLst>
+                                          <p:attrName>ppt_y</p:attrName>
+                                        </p:attrNameLst>
+                                      </p:cBhvr>
+                                      <p:tavLst>
+                                        <p:tav tm="0">
+                                          <p:val>
+                                            <p:strVal val="#ppt_y+.1"/>
+                                          </p:val>
+                                        </p:tav>
+                                        <p:tav tm="100000">
+                                          <p:val>
+                                            <p:strVal val="#ppt_y"/>
+                                          </p:val>
+                                        </p:tav>
+                                      </p:tavLst>
+                                    </p:anim>
+                                  </p:childTnLst>
+                                </p:cTn>
+                              </p:par>
+                            </p:childTnLst>
+                          </p:cTn>
+                        </p:par>
+                      </p:childTnLst>
+                    </p:cTn>
+                  </p:par>
+                </p:childTnLst>
+              </p:cTn>
+              <p:prevCondLst>
+                <p:cond evt="onPrev" delay="0">
+                  <p:tgtEl>
+                    <p:sldTgt/>
+                  </p:tgtEl>
+                </p:cond>
+              </p:prevCondLst>
+              <p:nextCondLst>
+                <p:cond evt="onNext" delay="0">
+                  <p:tgtEl>
+                    <p:sldTgt/>
+                  </p:tgtEl>
+                </p:cond>
+              </p:nextCondLst>
+            </p:seq>
+          </p:childTnLst>
+        </p:cTn>
+      </p:par>
+    </p:tnLst>
+  </p:timing>
+</p:sld>
+</file>
+
+<file path=ppt/slides/slide26.xml><?xml version="1.0" encoding="utf-8"?>
+<p:sld xmlns:a="http://schemas.openxmlformats.org/drawingml/2006/main" xmlns:r="http://schemas.openxmlformats.org/officeDocument/2006/relationships" xmlns:p="http://schemas.openxmlformats.org/presentationml/2006/main">
+  <p:cSld>
+    <p:spTree>
+      <p:nvGrpSpPr>
+        <p:cNvPr id="1" name=""/>
+        <p:cNvGrpSpPr/>
+        <p:nvPr/>
+      </p:nvGrpSpPr>
+      <p:grpSpPr>
+        <a:xfrm>
+          <a:off x="0" y="0"/>
+          <a:ext cx="0" cy="0"/>
+          <a:chOff x="0" y="0"/>
+          <a:chExt cx="0" cy="0"/>
+        </a:xfrm>
+      </p:grpSpPr>
+      <p:sp>
+        <p:nvSpPr>
+          <p:cNvPr id="2" name="Title 1"/>
+          <p:cNvSpPr>
+            <a:spLocks noGrp="1"/>
+          </p:cNvSpPr>
+          <p:nvPr>
+            <p:ph type="title"/>
+          </p:nvPr>
+        </p:nvSpPr>
+        <p:spPr/>
+        <p:txBody>
+          <a:bodyPr/>
+          <a:lstStyle/>
+          <a:p>
+            <a:r>
+              <a:rPr lang="en-US" dirty="0" smtClean="0"/>
+              <a:t>The wheel</a:t>
+            </a:r>
+            <a:endParaRPr lang="en-US" dirty="0"/>
+          </a:p>
+        </p:txBody>
+      </p:sp>
+      <p:sp>
+        <p:nvSpPr>
+          <p:cNvPr id="3" name="Content Placeholder 2"/>
+          <p:cNvSpPr>
+            <a:spLocks noGrp="1"/>
+          </p:cNvSpPr>
+          <p:nvPr>
+            <p:ph sz="half" idx="1"/>
+          </p:nvPr>
+        </p:nvSpPr>
+        <p:spPr/>
+        <p:txBody>
+          <a:bodyPr>
+            <a:normAutofit/>
+          </a:bodyPr>
+          <a:lstStyle/>
+          <a:p>
+            <a:r>
+              <a:rPr lang="en-US" dirty="0"/>
+              <a:t>is </a:t>
+            </a:r>
+            <a:r>
+              <a:rPr lang="en-US" dirty="0"/>
+              <a:t>often described as the most important invention of all </a:t>
+            </a:r>
+            <a:r>
+              <a:rPr lang="en-US" dirty="0"/>
+              <a:t>time</a:t>
+            </a:r>
+          </a:p>
+          <a:p>
+            <a:r>
+              <a:rPr lang="en-US" dirty="0"/>
+              <a:t>it </a:t>
+            </a:r>
+            <a:r>
+              <a:rPr lang="en-US" dirty="0"/>
+              <a:t>had a fundamental impact on transport and later on agriculture and industry.</a:t>
+            </a:r>
+          </a:p>
+        </p:txBody>
+      </p:sp>
+      <p:pic>
+        <p:nvPicPr>
+          <p:cNvPr id="5" name="Picture 8" descr="https://upload.wikimedia.org/wikipedia/commons/thumb/3/32/Roue_primitive.png/220px-Roue_primitive.png"/>
+          <p:cNvPicPr>
+            <a:picLocks noGrp="1" noChangeAspect="1" noChangeArrowheads="1"/>
+          </p:cNvPicPr>
+          <p:nvPr>
+            <p:ph sz="half" idx="2"/>
+          </p:nvPr>
+        </p:nvPicPr>
+        <p:blipFill>
+          <a:blip r:embed="rId2">
+            <a:extLst>
+              <a:ext uri="{28A0092B-C50C-407E-A947-70E740481C1C}">
+                <a14:useLocalDpi xmlns:a14="http://schemas.microsoft.com/office/drawing/2010/main" val="0"/>
+              </a:ext>
+            </a:extLst>
+          </a:blip>
+          <a:srcRect/>
+          <a:stretch>
+            <a:fillRect/>
+          </a:stretch>
+        </p:blipFill>
+        <p:spPr bwMode="auto">
+          <a:xfrm>
+            <a:off x="6804701" y="1055262"/>
+            <a:ext cx="2467734" cy="2602338"/>
+          </a:xfrm>
+          <a:prstGeom prst="rect">
+            <a:avLst/>
+          </a:prstGeom>
+          <a:noFill/>
+          <a:extLst>
+            <a:ext uri="{909E8E84-426E-40DD-AFC4-6F175D3DCCD1}">
+              <a14:hiddenFill xmlns:a14="http://schemas.microsoft.com/office/drawing/2010/main">
+                <a:solidFill>
+                  <a:srgbClr val="FFFFFF"/>
+                </a:solidFill>
+              </a14:hiddenFill>
+            </a:ext>
+          </a:extLst>
+        </p:spPr>
+      </p:pic>
+      <p:pic>
+        <p:nvPicPr>
+          <p:cNvPr id="6" name="Picture 14" descr="Képtalálat a következőre: „wheel”"/>
+          <p:cNvPicPr>
+            <a:picLocks noChangeAspect="1" noChangeArrowheads="1"/>
+          </p:cNvPicPr>
+          <p:nvPr/>
+        </p:nvPicPr>
+        <p:blipFill>
+          <a:blip r:embed="rId3" cstate="print">
+            <a:extLst>
+              <a:ext uri="{28A0092B-C50C-407E-A947-70E740481C1C}">
+                <a14:useLocalDpi xmlns:a14="http://schemas.microsoft.com/office/drawing/2010/main" val="0"/>
+              </a:ext>
+            </a:extLst>
+          </a:blip>
+          <a:srcRect/>
+          <a:stretch>
+            <a:fillRect/>
+          </a:stretch>
+        </p:blipFill>
+        <p:spPr bwMode="auto">
+          <a:xfrm>
+            <a:off x="7751639" y="4347737"/>
+            <a:ext cx="2449003" cy="1627618"/>
+          </a:xfrm>
+          <a:prstGeom prst="rect">
+            <a:avLst/>
+          </a:prstGeom>
+          <a:noFill/>
+          <a:extLst>
+            <a:ext uri="{909E8E84-426E-40DD-AFC4-6F175D3DCCD1}">
+              <a14:hiddenFill xmlns:a14="http://schemas.microsoft.com/office/drawing/2010/main">
+                <a:solidFill>
+                  <a:srgbClr val="FFFFFF"/>
+                </a:solidFill>
+              </a14:hiddenFill>
+            </a:ext>
+          </a:extLst>
+        </p:spPr>
+      </p:pic>
+    </p:spTree>
+    <p:extLst>
+      <p:ext uri="{BB962C8B-B14F-4D97-AF65-F5344CB8AC3E}">
+        <p14:creationId xmlns:p14="http://schemas.microsoft.com/office/powerpoint/2010/main" val="2291365408"/>
+      </p:ext>
+    </p:extLst>
+  </p:cSld>
+  <p:clrMapOvr>
+    <a:masterClrMapping/>
+  </p:clrMapOvr>
+  <p:timing>
+    <p:tnLst>
+      <p:par>
+        <p:cTn id="1" dur="indefinite" restart="never" nodeType="tmRoot">
+          <p:childTnLst>
+            <p:seq concurrent="1" nextAc="seek">
+              <p:cTn id="2" dur="indefinite" nodeType="mainSeq">
+                <p:childTnLst>
+                  <p:par>
+                    <p:cTn id="3" fill="hold">
+                      <p:stCondLst>
+                        <p:cond delay="indefinite"/>
+                      </p:stCondLst>
+                      <p:childTnLst>
+                        <p:par>
+                          <p:cTn id="4" fill="hold">
+                            <p:stCondLst>
+                              <p:cond delay="0"/>
+                            </p:stCondLst>
+                            <p:childTnLst>
+                              <p:par>
+                                <p:cTn id="5" presetID="42" presetClass="entr" presetSubtype="0" fill="hold" nodeType="clickEffect">
+                                  <p:stCondLst>
+                                    <p:cond delay="0"/>
+                                  </p:stCondLst>
+                                  <p:childTnLst>
+                                    <p:set>
+                                      <p:cBhvr>
+                                        <p:cTn id="6" dur="1" fill="hold">
+                                          <p:stCondLst>
+                                            <p:cond delay="0"/>
+                                          </p:stCondLst>
+                                        </p:cTn>
+                                        <p:tgtEl>
+                                          <p:spTgt spid="5"/>
+                                        </p:tgtEl>
+                                        <p:attrNameLst>
+                                          <p:attrName>style.visibility</p:attrName>
+                                        </p:attrNameLst>
+                                      </p:cBhvr>
+                                      <p:to>
+                                        <p:strVal val="visible"/>
+                                      </p:to>
+                                    </p:set>
+                                    <p:animEffect transition="in" filter="fade">
+                                      <p:cBhvr>
+                                        <p:cTn id="7" dur="1000"/>
+                                        <p:tgtEl>
+                                          <p:spTgt spid="5"/>
+                                        </p:tgtEl>
+                                      </p:cBhvr>
+                                    </p:animEffect>
+                                    <p:anim calcmode="lin" valueType="num">
+                                      <p:cBhvr>
+                                        <p:cTn id="8" dur="1000" fill="hold"/>
+                                        <p:tgtEl>
+                                          <p:spTgt spid="5"/>
+                                        </p:tgtEl>
+                                        <p:attrNameLst>
+                                          <p:attrName>ppt_x</p:attrName>
+                                        </p:attrNameLst>
+                                      </p:cBhvr>
+                                      <p:tavLst>
+                                        <p:tav tm="0">
+                                          <p:val>
+                                            <p:strVal val="#ppt_x"/>
+                                          </p:val>
+                                        </p:tav>
+                                        <p:tav tm="100000">
+                                          <p:val>
+                                            <p:strVal val="#ppt_x"/>
+                                          </p:val>
+                                        </p:tav>
+                                      </p:tavLst>
+                                    </p:anim>
+                                    <p:anim calcmode="lin" valueType="num">
+                                      <p:cBhvr>
+                                        <p:cTn id="9" dur="1000" fill="hold"/>
+                                        <p:tgtEl>
+                                          <p:spTgt spid="5"/>
+                                        </p:tgtEl>
+                                        <p:attrNameLst>
+                                          <p:attrName>ppt_y</p:attrName>
+                                        </p:attrNameLst>
+                                      </p:cBhvr>
+                                      <p:tavLst>
+                                        <p:tav tm="0">
+                                          <p:val>
+                                            <p:strVal val="#ppt_y+.1"/>
+                                          </p:val>
+                                        </p:tav>
+                                        <p:tav tm="100000">
+                                          <p:val>
+                                            <p:strVal val="#ppt_y"/>
+                                          </p:val>
+                                        </p:tav>
+                                      </p:tavLst>
+                                    </p:anim>
+                                  </p:childTnLst>
+                                </p:cTn>
+                              </p:par>
+                            </p:childTnLst>
+                          </p:cTn>
+                        </p:par>
+                      </p:childTnLst>
+                    </p:cTn>
+                  </p:par>
+                  <p:par>
+                    <p:cTn id="10" fill="hold">
+                      <p:stCondLst>
+                        <p:cond delay="indefinite"/>
+                      </p:stCondLst>
+                      <p:childTnLst>
+                        <p:par>
+                          <p:cTn id="11" fill="hold">
+                            <p:stCondLst>
+                              <p:cond delay="0"/>
+                            </p:stCondLst>
+                            <p:childTnLst>
+                              <p:par>
+                                <p:cTn id="12" presetID="42" presetClass="entr" presetSubtype="0" fill="hold" nodeType="clickEffect">
+                                  <p:stCondLst>
+                                    <p:cond delay="0"/>
+                                  </p:stCondLst>
+                                  <p:childTnLst>
+                                    <p:set>
+                                      <p:cBhvr>
+                                        <p:cTn id="13" dur="1" fill="hold">
+                                          <p:stCondLst>
+                                            <p:cond delay="0"/>
+                                          </p:stCondLst>
+                                        </p:cTn>
+                                        <p:tgtEl>
+                                          <p:spTgt spid="6"/>
+                                        </p:tgtEl>
+                                        <p:attrNameLst>
+                                          <p:attrName>style.visibility</p:attrName>
+                                        </p:attrNameLst>
+                                      </p:cBhvr>
+                                      <p:to>
+                                        <p:strVal val="visible"/>
+                                      </p:to>
+                                    </p:set>
+                                    <p:animEffect transition="in" filter="fade">
+                                      <p:cBhvr>
+                                        <p:cTn id="14" dur="1000"/>
+                                        <p:tgtEl>
+                                          <p:spTgt spid="6"/>
+                                        </p:tgtEl>
+                                      </p:cBhvr>
+                                    </p:animEffect>
+                                    <p:anim calcmode="lin" valueType="num">
+                                      <p:cBhvr>
+                                        <p:cTn id="15" dur="1000" fill="hold"/>
+                                        <p:tgtEl>
+                                          <p:spTgt spid="6"/>
+                                        </p:tgtEl>
+                                        <p:attrNameLst>
+                                          <p:attrName>ppt_x</p:attrName>
+                                        </p:attrNameLst>
+                                      </p:cBhvr>
+                                      <p:tavLst>
+                                        <p:tav tm="0">
+                                          <p:val>
+                                            <p:strVal val="#ppt_x"/>
+                                          </p:val>
+                                        </p:tav>
+                                        <p:tav tm="100000">
+                                          <p:val>
+                                            <p:strVal val="#ppt_x"/>
+                                          </p:val>
+                                        </p:tav>
+                                      </p:tavLst>
+                                    </p:anim>
+                                    <p:anim calcmode="lin" valueType="num">
+                                      <p:cBhvr>
+                                        <p:cTn id="16" dur="1000" fill="hold"/>
+                                        <p:tgtEl>
+                                          <p:spTgt spid="6"/>
+                                        </p:tgtEl>
+                                        <p:attrNameLst>
+                                          <p:attrName>ppt_y</p:attrName>
+                                        </p:attrNameLst>
+                                      </p:cBhvr>
+                                      <p:tavLst>
+                                        <p:tav tm="0">
+                                          <p:val>
+                                            <p:strVal val="#ppt_y+.1"/>
+                                          </p:val>
+                                        </p:tav>
+                                        <p:tav tm="100000">
+                                          <p:val>
+                                            <p:strVal val="#ppt_y"/>
+                                          </p:val>
+                                        </p:tav>
+                                      </p:tavLst>
+                                    </p:anim>
+                                  </p:childTnLst>
+                                </p:cTn>
+                              </p:par>
+                            </p:childTnLst>
+                          </p:cTn>
+                        </p:par>
+                      </p:childTnLst>
+                    </p:cTn>
+                  </p:par>
+                  <p:par>
+                    <p:cTn id="17" fill="hold">
+                      <p:stCondLst>
+                        <p:cond delay="indefinite"/>
+                      </p:stCondLst>
+                      <p:childTnLst>
+                        <p:par>
+                          <p:cTn id="18" fill="hold">
+                            <p:stCondLst>
+                              <p:cond delay="0"/>
+                            </p:stCondLst>
+                            <p:childTnLst>
+                              <p:par>
+                                <p:cTn id="19" presetID="42" presetClass="entr" presetSubtype="0" fill="hold" nodeType="clickEffect">
+                                  <p:stCondLst>
+                                    <p:cond delay="0"/>
+                                  </p:stCondLst>
+                                  <p:childTnLst>
+                                    <p:set>
+                                      <p:cBhvr>
+                                        <p:cTn id="20" dur="1" fill="hold">
+                                          <p:stCondLst>
+                                            <p:cond delay="0"/>
+                                          </p:stCondLst>
+                                        </p:cTn>
+                                        <p:tgtEl>
+                                          <p:spTgt spid="3">
+                                            <p:txEl>
+                                              <p:pRg st="0" end="0"/>
+                                            </p:txEl>
+                                          </p:spTgt>
+                                        </p:tgtEl>
+                                        <p:attrNameLst>
+                                          <p:attrName>style.visibility</p:attrName>
+                                        </p:attrNameLst>
+                                      </p:cBhvr>
+                                      <p:to>
+                                        <p:strVal val="visible"/>
+                                      </p:to>
+                                    </p:set>
+                                    <p:animEffect transition="in" filter="fade">
+                                      <p:cBhvr>
+                                        <p:cTn id="21" dur="1000"/>
+                                        <p:tgtEl>
+                                          <p:spTgt spid="3">
+                                            <p:txEl>
+                                              <p:pRg st="0" end="0"/>
+                                            </p:txEl>
+                                          </p:spTgt>
+                                        </p:tgtEl>
+                                      </p:cBhvr>
+                                    </p:animEffect>
+                                    <p:anim calcmode="lin" valueType="num">
+                                      <p:cBhvr>
+                                        <p:cTn id="22" dur="1000" fill="hold"/>
+                                        <p:tgtEl>
+                                          <p:spTgt spid="3">
+                                            <p:txEl>
+                                              <p:pRg st="0" end="0"/>
+                                            </p:txEl>
+                                          </p:spTgt>
+                                        </p:tgtEl>
+                                        <p:attrNameLst>
+                                          <p:attrName>ppt_x</p:attrName>
+                                        </p:attrNameLst>
+                                      </p:cBhvr>
+                                      <p:tavLst>
+                                        <p:tav tm="0">
+                                          <p:val>
+                                            <p:strVal val="#ppt_x"/>
+                                          </p:val>
+                                        </p:tav>
+                                        <p:tav tm="100000">
+                                          <p:val>
+                                            <p:strVal val="#ppt_x"/>
+                                          </p:val>
+                                        </p:tav>
+                                      </p:tavLst>
+                                    </p:anim>
+                                    <p:anim calcmode="lin" valueType="num">
+                                      <p:cBhvr>
+                                        <p:cTn id="23" dur="1000" fill="hold"/>
+                                        <p:tgtEl>
+                                          <p:spTgt spid="3">
+                                            <p:txEl>
+                                              <p:pRg st="0" end="0"/>
+                                            </p:txEl>
+                                          </p:spTgt>
+                                        </p:tgtEl>
+                                        <p:attrNameLst>
+                                          <p:attrName>ppt_y</p:attrName>
+                                        </p:attrNameLst>
+                                      </p:cBhvr>
+                                      <p:tavLst>
+                                        <p:tav tm="0">
+                                          <p:val>
+                                            <p:strVal val="#ppt_y+.1"/>
+                                          </p:val>
+                                        </p:tav>
+                                        <p:tav tm="100000">
+                                          <p:val>
+                                            <p:strVal val="#ppt_y"/>
+                                          </p:val>
+                                        </p:tav>
+                                      </p:tavLst>
+                                    </p:anim>
+                                  </p:childTnLst>
+                                </p:cTn>
+                              </p:par>
+                            </p:childTnLst>
+                          </p:cTn>
+                        </p:par>
+                      </p:childTnLst>
+                    </p:cTn>
+                  </p:par>
+                  <p:par>
+                    <p:cTn id="24" fill="hold">
+                      <p:stCondLst>
+                        <p:cond delay="indefinite"/>
+                      </p:stCondLst>
+                      <p:childTnLst>
+                        <p:par>
+                          <p:cTn id="25" fill="hold">
+                            <p:stCondLst>
+                              <p:cond delay="0"/>
+                            </p:stCondLst>
+                            <p:childTnLst>
+                              <p:par>
+                                <p:cTn id="26" presetID="42" presetClass="entr" presetSubtype="0" fill="hold" nodeType="clickEffect">
+                                  <p:stCondLst>
+                                    <p:cond delay="0"/>
+                                  </p:stCondLst>
+                                  <p:childTnLst>
+                                    <p:set>
+                                      <p:cBhvr>
+                                        <p:cTn id="27" dur="1" fill="hold">
+                                          <p:stCondLst>
+                                            <p:cond delay="0"/>
+                                          </p:stCondLst>
+                                        </p:cTn>
+                                        <p:tgtEl>
+                                          <p:spTgt spid="3">
+                                            <p:txEl>
+                                              <p:pRg st="1" end="1"/>
+                                            </p:txEl>
+                                          </p:spTgt>
+                                        </p:tgtEl>
+                                        <p:attrNameLst>
+                                          <p:attrName>style.visibility</p:attrName>
+                                        </p:attrNameLst>
+                                      </p:cBhvr>
+                                      <p:to>
+                                        <p:strVal val="visible"/>
+                                      </p:to>
+                                    </p:set>
+                                    <p:animEffect transition="in" filter="fade">
+                                      <p:cBhvr>
+                                        <p:cTn id="28" dur="1000"/>
+                                        <p:tgtEl>
+                                          <p:spTgt spid="3">
+                                            <p:txEl>
+                                              <p:pRg st="1" end="1"/>
+                                            </p:txEl>
+                                          </p:spTgt>
+                                        </p:tgtEl>
+                                      </p:cBhvr>
+                                    </p:animEffect>
+                                    <p:anim calcmode="lin" valueType="num">
+                                      <p:cBhvr>
+                                        <p:cTn id="29" dur="1000" fill="hold"/>
+                                        <p:tgtEl>
+                                          <p:spTgt spid="3">
+                                            <p:txEl>
+                                              <p:pRg st="1" end="1"/>
+                                            </p:txEl>
+                                          </p:spTgt>
+                                        </p:tgtEl>
+                                        <p:attrNameLst>
+                                          <p:attrName>ppt_x</p:attrName>
+                                        </p:attrNameLst>
+                                      </p:cBhvr>
+                                      <p:tavLst>
+                                        <p:tav tm="0">
+                                          <p:val>
+                                            <p:strVal val="#ppt_x"/>
+                                          </p:val>
+                                        </p:tav>
+                                        <p:tav tm="100000">
+                                          <p:val>
+                                            <p:strVal val="#ppt_x"/>
+                                          </p:val>
+                                        </p:tav>
+                                      </p:tavLst>
+                                    </p:anim>
+                                    <p:anim calcmode="lin" valueType="num">
+                                      <p:cBhvr>
+                                        <p:cTn id="30" dur="1000" fill="hold"/>
+                                        <p:tgtEl>
+                                          <p:spTgt spid="3">
+                                            <p:txEl>
+                                              <p:pRg st="1" end="1"/>
+                                            </p:txEl>
+                                          </p:spTgt>
+                                        </p:tgtEl>
+                                        <p:attrNameLst>
+                                          <p:attrName>ppt_y</p:attrName>
+                                        </p:attrNameLst>
+                                      </p:cBhvr>
+                                      <p:tavLst>
+                                        <p:tav tm="0">
+                                          <p:val>
+                                            <p:strVal val="#ppt_y+.1"/>
+                                          </p:val>
+                                        </p:tav>
+                                        <p:tav tm="100000">
+                                          <p:val>
+                                            <p:strVal val="#ppt_y"/>
+                                          </p:val>
+                                        </p:tav>
+                                      </p:tavLst>
+                                    </p:anim>
+                                  </p:childTnLst>
+                                </p:cTn>
+                              </p:par>
+                            </p:childTnLst>
+                          </p:cTn>
+                        </p:par>
+                      </p:childTnLst>
+                    </p:cTn>
+                  </p:par>
+                </p:childTnLst>
+              </p:cTn>
+              <p:prevCondLst>
+                <p:cond evt="onPrev" delay="0">
+                  <p:tgtEl>
+                    <p:sldTgt/>
+                  </p:tgtEl>
+                </p:cond>
+              </p:prevCondLst>
+              <p:nextCondLst>
+                <p:cond evt="onNext" delay="0">
+                  <p:tgtEl>
+                    <p:sldTgt/>
+                  </p:tgtEl>
+                </p:cond>
+              </p:nextCondLst>
+            </p:seq>
+          </p:childTnLst>
+        </p:cTn>
       </p:par>
     </p:tnLst>
   </p:timing>
